--- a/Aula03-Arquitetura de um Projeto Flutter/Aula03-Arquitetura de um Projeto Flutter.pptx
+++ b/Aula03-Arquitetura de um Projeto Flutter/Aula03-Arquitetura de um Projeto Flutter.pptx
@@ -23,15 +23,12 @@
   <p:notesSz cx="6858000" cy="9144000"/>
   <p:embeddedFontLst>
     <p:embeddedFont>
-      <p:font typeface="Lato" panose="020B0604020202020204" charset="0"/>
+      <p:font typeface="Lato" panose="020F0502020204030203" pitchFamily="34" charset="0"/>
       <p:regular r:id="rId15"/>
+      <p:bold r:id="rId16"/>
     </p:embeddedFont>
     <p:embeddedFont>
-      <p:font typeface="Lato Bold" panose="020B0604020202020204" charset="0"/>
-      <p:regular r:id="rId16"/>
-    </p:embeddedFont>
-    <p:embeddedFont>
-      <p:font typeface="Poppins Ultra-Bold" panose="020B0604020202020204" charset="0"/>
+      <p:font typeface="Lato Bold" panose="020F0502020204030203" charset="0"/>
       <p:regular r:id="rId17"/>
     </p:embeddedFont>
     <p:embeddedFont>
@@ -39,11 +36,8 @@
       <p:regular r:id="rId18"/>
     </p:embeddedFont>
     <p:embeddedFont>
-      <p:font typeface="Calibri" panose="020F0502020204030204" pitchFamily="34" charset="0"/>
+      <p:font typeface="Poppins Ultra-Bold" panose="020B0604020202020204" charset="0"/>
       <p:regular r:id="rId19"/>
-      <p:bold r:id="rId20"/>
-      <p:italic r:id="rId21"/>
-      <p:boldItalic r:id="rId22"/>
     </p:embeddedFont>
   </p:embeddedFontLst>
   <p:defaultTextStyle>
@@ -340,7 +334,7 @@
             <a:fld id="{1D8BD707-D9CF-40AE-B4C6-C98DA3205C09}" type="datetimeFigureOut">
               <a:rPr lang="en-US" smtClean="0"/>
               <a:pPr/>
-              <a:t>3/2/2024</a:t>
+              <a:t>11/24/2025</a:t>
             </a:fld>
             <a:endParaRPr lang="en-US"/>
           </a:p>
@@ -505,7 +499,7 @@
             <a:fld id="{1D8BD707-D9CF-40AE-B4C6-C98DA3205C09}" type="datetimeFigureOut">
               <a:rPr lang="en-US" smtClean="0"/>
               <a:pPr/>
-              <a:t>3/2/2024</a:t>
+              <a:t>11/24/2025</a:t>
             </a:fld>
             <a:endParaRPr lang="en-US"/>
           </a:p>
@@ -680,7 +674,7 @@
             <a:fld id="{1D8BD707-D9CF-40AE-B4C6-C98DA3205C09}" type="datetimeFigureOut">
               <a:rPr lang="en-US" smtClean="0"/>
               <a:pPr/>
-              <a:t>3/2/2024</a:t>
+              <a:t>11/24/2025</a:t>
             </a:fld>
             <a:endParaRPr lang="en-US"/>
           </a:p>
@@ -845,7 +839,7 @@
             <a:fld id="{1D8BD707-D9CF-40AE-B4C6-C98DA3205C09}" type="datetimeFigureOut">
               <a:rPr lang="en-US" smtClean="0"/>
               <a:pPr/>
-              <a:t>3/2/2024</a:t>
+              <a:t>11/24/2025</a:t>
             </a:fld>
             <a:endParaRPr lang="en-US"/>
           </a:p>
@@ -1087,7 +1081,7 @@
             <a:fld id="{1D8BD707-D9CF-40AE-B4C6-C98DA3205C09}" type="datetimeFigureOut">
               <a:rPr lang="en-US" smtClean="0"/>
               <a:pPr/>
-              <a:t>3/2/2024</a:t>
+              <a:t>11/24/2025</a:t>
             </a:fld>
             <a:endParaRPr lang="en-US"/>
           </a:p>
@@ -1369,7 +1363,7 @@
             <a:fld id="{1D8BD707-D9CF-40AE-B4C6-C98DA3205C09}" type="datetimeFigureOut">
               <a:rPr lang="en-US" smtClean="0"/>
               <a:pPr/>
-              <a:t>3/2/2024</a:t>
+              <a:t>11/24/2025</a:t>
             </a:fld>
             <a:endParaRPr lang="en-US"/>
           </a:p>
@@ -1785,7 +1779,7 @@
             <a:fld id="{1D8BD707-D9CF-40AE-B4C6-C98DA3205C09}" type="datetimeFigureOut">
               <a:rPr lang="en-US" smtClean="0"/>
               <a:pPr/>
-              <a:t>3/2/2024</a:t>
+              <a:t>11/24/2025</a:t>
             </a:fld>
             <a:endParaRPr lang="en-US"/>
           </a:p>
@@ -1899,7 +1893,7 @@
             <a:fld id="{1D8BD707-D9CF-40AE-B4C6-C98DA3205C09}" type="datetimeFigureOut">
               <a:rPr lang="en-US" smtClean="0"/>
               <a:pPr/>
-              <a:t>3/2/2024</a:t>
+              <a:t>11/24/2025</a:t>
             </a:fld>
             <a:endParaRPr lang="en-US"/>
           </a:p>
@@ -1991,7 +1985,7 @@
             <a:fld id="{1D8BD707-D9CF-40AE-B4C6-C98DA3205C09}" type="datetimeFigureOut">
               <a:rPr lang="en-US" smtClean="0"/>
               <a:pPr/>
-              <a:t>3/2/2024</a:t>
+              <a:t>11/24/2025</a:t>
             </a:fld>
             <a:endParaRPr lang="en-US"/>
           </a:p>
@@ -2263,7 +2257,7 @@
             <a:fld id="{1D8BD707-D9CF-40AE-B4C6-C98DA3205C09}" type="datetimeFigureOut">
               <a:rPr lang="en-US" smtClean="0"/>
               <a:pPr/>
-              <a:t>3/2/2024</a:t>
+              <a:t>11/24/2025</a:t>
             </a:fld>
             <a:endParaRPr lang="en-US"/>
           </a:p>
@@ -2512,7 +2506,7 @@
             <a:fld id="{1D8BD707-D9CF-40AE-B4C6-C98DA3205C09}" type="datetimeFigureOut">
               <a:rPr lang="en-US" smtClean="0"/>
               <a:pPr/>
-              <a:t>3/2/2024</a:t>
+              <a:t>11/24/2025</a:t>
             </a:fld>
             <a:endParaRPr lang="en-US"/>
           </a:p>
@@ -2720,7 +2714,7 @@
             <a:fld id="{1D8BD707-D9CF-40AE-B4C6-C98DA3205C09}" type="datetimeFigureOut">
               <a:rPr lang="en-US" smtClean="0"/>
               <a:pPr/>
-              <a:t>3/2/2024</a:t>
+              <a:t>11/24/2025</a:t>
             </a:fld>
             <a:endParaRPr lang="en-US"/>
           </a:p>
@@ -3144,6 +3138,13 @@
               <a:srgbClr val="5271FF"/>
             </a:solidFill>
           </p:spPr>
+          <p:txBody>
+            <a:bodyPr/>
+            <a:lstStyle/>
+            <a:p>
+              <a:endParaRPr lang="pt-BR"/>
+            </a:p>
+          </p:txBody>
         </p:sp>
       </p:grpSp>
       <p:grpSp>
@@ -3218,6 +3219,13 @@
               <a:srgbClr val="FFFFFF"/>
             </a:solidFill>
           </p:spPr>
+          <p:txBody>
+            <a:bodyPr/>
+            <a:lstStyle/>
+            <a:p>
+              <a:endParaRPr lang="pt-BR"/>
+            </a:p>
+          </p:txBody>
         </p:sp>
       </p:grpSp>
       <p:grpSp>
@@ -3292,6 +3300,13 @@
               <a:srgbClr val="2B4A9D"/>
             </a:solidFill>
           </p:spPr>
+          <p:txBody>
+            <a:bodyPr/>
+            <a:lstStyle/>
+            <a:p>
+              <a:endParaRPr lang="pt-BR"/>
+            </a:p>
+          </p:txBody>
         </p:sp>
       </p:grpSp>
       <p:sp>
@@ -3321,7 +3336,7 @@
               </a:lnSpc>
             </a:pPr>
             <a:r>
-              <a:rPr lang="pt-BR" sz="6000" spc="600" dirty="0" smtClean="0">
+              <a:rPr lang="pt-BR" sz="6000" spc="600" dirty="0">
                 <a:solidFill>
                   <a:srgbClr val="2B4A9D"/>
                 </a:solidFill>
@@ -3330,7 +3345,7 @@
               <a:t>Arquitetura de um Projeto </a:t>
             </a:r>
             <a:r>
-              <a:rPr lang="pt-BR" sz="6000" spc="600" dirty="0" err="1" smtClean="0">
+              <a:rPr lang="pt-BR" sz="6000" spc="600" dirty="0" err="1">
                 <a:solidFill>
                   <a:srgbClr val="2B4A9D"/>
                 </a:solidFill>
@@ -3356,7 +3371,7 @@
         <p:spPr>
           <a:xfrm>
             <a:off x="814372" y="7555634"/>
-            <a:ext cx="11682427" cy="628377"/>
+            <a:ext cx="11682427" cy="3080395"/>
           </a:xfrm>
           <a:prstGeom prst="rect">
             <a:avLst/>
@@ -3374,61 +3389,16 @@
               </a:lnSpc>
             </a:pPr>
             <a:r>
-              <a:rPr lang="en-US" sz="3500" spc="350" dirty="0" err="1" smtClean="0">
-                <a:solidFill>
-                  <a:srgbClr val="000000"/>
-                </a:solidFill>
-                <a:latin typeface="Lato"/>
-              </a:rPr>
-              <a:t>Apresentado</a:t>
-            </a:r>
-            <a:r>
-              <a:rPr lang="en-US" sz="3500" spc="350" dirty="0" smtClean="0">
-                <a:solidFill>
-                  <a:srgbClr val="000000"/>
-                </a:solidFill>
-                <a:latin typeface="Lato"/>
-              </a:rPr>
-              <a:t> </a:t>
-            </a:r>
-            <a:r>
-              <a:rPr lang="en-US" sz="3500" spc="350" dirty="0" err="1" smtClean="0">
-                <a:solidFill>
-                  <a:srgbClr val="000000"/>
-                </a:solidFill>
-                <a:latin typeface="Lato"/>
-              </a:rPr>
-              <a:t>por</a:t>
-            </a:r>
-            <a:r>
-              <a:rPr lang="en-US" sz="3500" spc="350" dirty="0" smtClean="0">
-                <a:solidFill>
-                  <a:srgbClr val="000000"/>
-                </a:solidFill>
-                <a:latin typeface="Lato"/>
-              </a:rPr>
-              <a:t>: </a:t>
-            </a:r>
-            <a:r>
               <a:rPr lang="en-US" sz="3500" spc="350" dirty="0" err="1">
                 <a:solidFill>
                   <a:srgbClr val="000000"/>
                 </a:solidFill>
                 <a:latin typeface="Lato"/>
               </a:rPr>
-              <a:t>E</a:t>
-            </a:r>
-            <a:r>
-              <a:rPr lang="en-US" sz="3500" spc="350" dirty="0" err="1" smtClean="0">
-                <a:solidFill>
-                  <a:srgbClr val="000000"/>
-                </a:solidFill>
-                <a:latin typeface="Lato"/>
-              </a:rPr>
-              <a:t>liane</a:t>
-            </a:r>
-            <a:r>
-              <a:rPr lang="en-US" sz="3500" spc="350" dirty="0" smtClean="0">
+              <a:t>Apresentado</a:t>
+            </a:r>
+            <a:r>
+              <a:rPr lang="en-US" sz="3500" spc="350" dirty="0">
                 <a:solidFill>
                   <a:srgbClr val="000000"/>
                 </a:solidFill>
@@ -3443,25 +3413,7 @@
                 </a:solidFill>
                 <a:latin typeface="Lato"/>
               </a:rPr>
-              <a:t>D</a:t>
-            </a:r>
-            <a:r>
-              <a:rPr lang="en-US" sz="3500" spc="350" dirty="0" err="1" smtClean="0">
-                <a:solidFill>
-                  <a:srgbClr val="000000"/>
-                </a:solidFill>
-                <a:latin typeface="Lato"/>
-              </a:rPr>
-              <a:t>antas</a:t>
-            </a:r>
-            <a:r>
-              <a:rPr lang="en-US" sz="3500" spc="350" dirty="0" smtClean="0">
-                <a:solidFill>
-                  <a:srgbClr val="000000"/>
-                </a:solidFill>
-                <a:latin typeface="Lato"/>
-              </a:rPr>
-              <a:t> e Natalia </a:t>
+              <a:t>por</a:t>
             </a:r>
             <a:r>
               <a:rPr lang="en-US" sz="3500" spc="350" dirty="0">
@@ -3470,17 +3422,78 @@
                 </a:solidFill>
                 <a:latin typeface="Lato"/>
               </a:rPr>
-              <a:t>C</a:t>
-            </a:r>
-            <a:r>
-              <a:rPr lang="en-US" sz="3500" spc="350" dirty="0" smtClean="0">
+              <a:t>:</a:t>
+            </a:r>
+          </a:p>
+          <a:p>
+            <a:pPr>
+              <a:lnSpc>
+                <a:spcPts val="4900"/>
+              </a:lnSpc>
+            </a:pPr>
+            <a:r>
+              <a:rPr lang="en-US" sz="3500" spc="350">
                 <a:solidFill>
                   <a:srgbClr val="000000"/>
                 </a:solidFill>
                 <a:latin typeface="Lato"/>
               </a:rPr>
-              <a:t>osta</a:t>
-            </a:r>
+              <a:t>Paulo Vitor</a:t>
+            </a:r>
+            <a:endParaRPr lang="en-US" sz="3500" spc="350" dirty="0">
+              <a:solidFill>
+                <a:srgbClr val="000000"/>
+              </a:solidFill>
+              <a:latin typeface="Lato"/>
+            </a:endParaRPr>
+          </a:p>
+          <a:p>
+            <a:pPr>
+              <a:lnSpc>
+                <a:spcPts val="4900"/>
+              </a:lnSpc>
+            </a:pPr>
+            <a:r>
+              <a:rPr lang="en-US" sz="3500" spc="350" dirty="0" err="1">
+                <a:solidFill>
+                  <a:srgbClr val="000000"/>
+                </a:solidFill>
+                <a:latin typeface="Lato"/>
+              </a:rPr>
+              <a:t>Talysson</a:t>
+            </a:r>
+            <a:r>
+              <a:rPr lang="en-US" sz="3500" spc="350" dirty="0">
+                <a:solidFill>
+                  <a:srgbClr val="000000"/>
+                </a:solidFill>
+                <a:latin typeface="Lato"/>
+              </a:rPr>
+              <a:t> Vasconcelos</a:t>
+            </a:r>
+          </a:p>
+          <a:p>
+            <a:pPr>
+              <a:lnSpc>
+                <a:spcPts val="4900"/>
+              </a:lnSpc>
+            </a:pPr>
+            <a:r>
+              <a:rPr lang="en-US" sz="3500" spc="350" dirty="0">
+                <a:solidFill>
+                  <a:srgbClr val="000000"/>
+                </a:solidFill>
+                <a:latin typeface="Lato"/>
+              </a:rPr>
+              <a:t>João Hungria</a:t>
+            </a:r>
+          </a:p>
+          <a:p>
+            <a:pPr>
+              <a:lnSpc>
+                <a:spcPts val="4900"/>
+              </a:lnSpc>
+            </a:pPr>
             <a:endParaRPr lang="en-US" sz="3500" spc="350" dirty="0">
               <a:solidFill>
                 <a:srgbClr val="000000"/>
@@ -3533,7 +3546,7 @@
               <a:alphaModFix amt="69000"/>
               <a:extLst>
                 <a:ext uri="{96DAC541-7B7A-43D3-8B79-37D633B846F1}">
-                  <asvg:svgBlip xmlns:asvg="http://schemas.microsoft.com/office/drawing/2016/SVG/main" xmlns="" r:embed="rId3"/>
+                  <asvg:svgBlip xmlns:asvg="http://schemas.microsoft.com/office/drawing/2016/SVG/main" r:embed="rId3"/>
                 </a:ext>
               </a:extLst>
             </a:blip>
@@ -3542,6 +3555,13 @@
             </a:stretch>
           </a:blipFill>
         </p:spPr>
+        <p:txBody>
+          <a:bodyPr/>
+          <a:lstStyle/>
+          <a:p>
+            <a:endParaRPr lang="pt-BR"/>
+          </a:p>
+        </p:txBody>
       </p:sp>
       <p:grpSp>
         <p:nvGrpSpPr>
@@ -3596,6 +3616,13 @@
               <a:srgbClr val="2B4A9D"/>
             </a:solidFill>
           </p:spPr>
+          <p:txBody>
+            <a:bodyPr/>
+            <a:lstStyle/>
+            <a:p>
+              <a:endParaRPr lang="pt-BR"/>
+            </a:p>
+          </p:txBody>
         </p:sp>
       </p:grpSp>
     </p:spTree>
@@ -3603,13 +3630,6 @@
   <p:clrMapOvr>
     <a:masterClrMapping/>
   </p:clrMapOvr>
-  <p:timing>
-    <p:tnLst>
-      <p:par>
-        <p:cTn id="1" dur="indefinite" restart="never" nodeType="tmRoot"/>
-      </p:par>
-    </p:tnLst>
-  </p:timing>
 </p:sld>
 </file>
 
@@ -3683,6 +3703,13 @@
               <a:srgbClr val="2B4A9D"/>
             </a:solidFill>
           </p:spPr>
+          <p:txBody>
+            <a:bodyPr/>
+            <a:lstStyle/>
+            <a:p>
+              <a:endParaRPr lang="pt-BR"/>
+            </a:p>
+          </p:txBody>
         </p:sp>
       </p:grpSp>
       <p:sp>
@@ -3721,21 +3748,8 @@
                 <a:ea typeface="Lato" panose="020B0604020202020204" charset="0"/>
                 <a:cs typeface="Lato" panose="020B0604020202020204" charset="0"/>
               </a:rPr>
-              <a:t>: É um arquivo usado para gerenciar </a:t>
-            </a:r>
-            <a:r>
-              <a:rPr lang="pt-BR" sz="3600" dirty="0" smtClean="0">
-                <a:latin typeface="Lato" panose="020B0604020202020204" charset="0"/>
-                <a:ea typeface="Lato" panose="020B0604020202020204" charset="0"/>
-                <a:cs typeface="Lato" panose="020B0604020202020204" charset="0"/>
-              </a:rPr>
-              <a:t>as versões das bibliotecas que o projeto está utilizando. </a:t>
-            </a:r>
-            <a:endParaRPr lang="pt-BR" sz="3600" dirty="0">
-              <a:latin typeface="Lato" panose="020B0604020202020204" charset="0"/>
-              <a:ea typeface="Lato" panose="020B0604020202020204" charset="0"/>
-              <a:cs typeface="Lato" panose="020B0604020202020204" charset="0"/>
-            </a:endParaRPr>
+              <a:t>: É um arquivo usado para gerenciar as versões das bibliotecas que o projeto está utilizando. </a:t>
+            </a:r>
           </a:p>
         </p:txBody>
       </p:sp>
@@ -3793,7 +3807,7 @@
           <a:p>
             <a:pPr algn="ctr"/>
             <a:r>
-              <a:rPr lang="pt-BR" sz="2000" dirty="0" smtClean="0">
+              <a:rPr lang="pt-BR" sz="2000" dirty="0">
                 <a:latin typeface="Lato" panose="020B0604020202020204" charset="0"/>
                 <a:ea typeface="Lato" panose="020B0604020202020204" charset="0"/>
                 <a:cs typeface="Lato" panose="020B0604020202020204" charset="0"/>
@@ -3812,45 +3826,22 @@
               <a:t>Fonte: </a:t>
             </a:r>
             <a:r>
-              <a:rPr lang="pt-BR" sz="2000" dirty="0" smtClean="0">
+              <a:rPr lang="pt-BR" sz="2000" dirty="0">
                 <a:latin typeface="Lato" panose="020B0604020202020204" charset="0"/>
                 <a:ea typeface="Lato" panose="020B0604020202020204" charset="0"/>
                 <a:cs typeface="Lato" panose="020B0604020202020204" charset="0"/>
                 <a:hlinkClick r:id="rId3"/>
               </a:rPr>
-              <a:t>https</a:t>
+              <a:t>https://www.alura.com.br/artigos/como-criar-um-projeto-com-flutter-hello-world</a:t>
             </a:r>
             <a:r>
               <a:rPr lang="pt-BR" sz="2000" dirty="0">
                 <a:latin typeface="Lato" panose="020B0604020202020204" charset="0"/>
                 <a:ea typeface="Lato" panose="020B0604020202020204" charset="0"/>
                 <a:cs typeface="Lato" panose="020B0604020202020204" charset="0"/>
-                <a:hlinkClick r:id="rId3"/>
-              </a:rPr>
-              <a:t>://</a:t>
-            </a:r>
-            <a:r>
-              <a:rPr lang="pt-BR" sz="2000" dirty="0" smtClean="0">
-                <a:latin typeface="Lato" panose="020B0604020202020204" charset="0"/>
-                <a:ea typeface="Lato" panose="020B0604020202020204" charset="0"/>
-                <a:cs typeface="Lato" panose="020B0604020202020204" charset="0"/>
-                <a:hlinkClick r:id="rId3"/>
-              </a:rPr>
-              <a:t>www.alura.com.br/artigos/como-criar-um-projeto-com-flutter-hello-world</a:t>
-            </a:r>
-            <a:r>
-              <a:rPr lang="pt-BR" sz="2000" dirty="0" smtClean="0">
-                <a:latin typeface="Lato" panose="020B0604020202020204" charset="0"/>
-                <a:ea typeface="Lato" panose="020B0604020202020204" charset="0"/>
-                <a:cs typeface="Lato" panose="020B0604020202020204" charset="0"/>
               </a:rPr>
               <a:t>.</a:t>
             </a:r>
-            <a:endParaRPr lang="pt-BR" sz="2000" dirty="0">
-              <a:latin typeface="Lato" panose="020B0604020202020204" charset="0"/>
-              <a:ea typeface="Lato" panose="020B0604020202020204" charset="0"/>
-              <a:cs typeface="Lato" panose="020B0604020202020204" charset="0"/>
-            </a:endParaRPr>
           </a:p>
         </p:txBody>
       </p:sp>
@@ -3910,13 +3901,6 @@
   <p:clrMapOvr>
     <a:masterClrMapping/>
   </p:clrMapOvr>
-  <p:timing>
-    <p:tnLst>
-      <p:par>
-        <p:cTn id="1" dur="indefinite" restart="never" nodeType="tmRoot"/>
-      </p:par>
-    </p:tnLst>
-  </p:timing>
 </p:sld>
 </file>
 
@@ -3990,6 +3974,13 @@
               <a:srgbClr val="2B4A9D"/>
             </a:solidFill>
           </p:spPr>
+          <p:txBody>
+            <a:bodyPr/>
+            <a:lstStyle/>
+            <a:p>
+              <a:endParaRPr lang="pt-BR"/>
+            </a:p>
+          </p:txBody>
         </p:sp>
       </p:grpSp>
       <p:sp>
@@ -4015,7 +4006,7 @@
           <a:p>
             <a:pPr algn="just"/>
             <a:r>
-              <a:rPr lang="pt-BR" sz="3600" b="1" dirty="0" smtClean="0">
+              <a:rPr lang="pt-BR" sz="3600" b="1" dirty="0">
                 <a:latin typeface="Lato" panose="020B0604020202020204" charset="0"/>
                 <a:ea typeface="Lato" panose="020B0604020202020204" charset="0"/>
                 <a:cs typeface="Lato" panose="020B0604020202020204" charset="0"/>
@@ -4023,7 +4014,7 @@
               <a:t>README.md</a:t>
             </a:r>
             <a:r>
-              <a:rPr lang="pt-BR" sz="3600" dirty="0" smtClean="0">
+              <a:rPr lang="pt-BR" sz="3600" dirty="0">
                 <a:latin typeface="Lato" panose="020B0604020202020204" charset="0"/>
                 <a:ea typeface="Lato" panose="020B0604020202020204" charset="0"/>
                 <a:cs typeface="Lato" panose="020B0604020202020204" charset="0"/>
@@ -4031,7 +4022,7 @@
               <a:t>: contém informações sobre o projeto que está sendo </a:t>
             </a:r>
             <a:r>
-              <a:rPr lang="pt-BR" sz="3600" dirty="0" err="1" smtClean="0">
+              <a:rPr lang="pt-BR" sz="3600" dirty="0" err="1">
                 <a:latin typeface="Lato" panose="020B0604020202020204" charset="0"/>
                 <a:ea typeface="Lato" panose="020B0604020202020204" charset="0"/>
                 <a:cs typeface="Lato" panose="020B0604020202020204" charset="0"/>
@@ -4039,18 +4030,13 @@
               <a:t>desenvolvido,com</a:t>
             </a:r>
             <a:r>
-              <a:rPr lang="pt-BR" sz="3600" dirty="0" smtClean="0">
+              <a:rPr lang="pt-BR" sz="3600" dirty="0">
                 <a:latin typeface="Lato" panose="020B0604020202020204" charset="0"/>
                 <a:ea typeface="Lato" panose="020B0604020202020204" charset="0"/>
                 <a:cs typeface="Lato" panose="020B0604020202020204" charset="0"/>
               </a:rPr>
               <a:t> a descrição e o manual de uso.</a:t>
             </a:r>
-            <a:endParaRPr lang="pt-BR" sz="3600" dirty="0">
-              <a:latin typeface="Lato" panose="020B0604020202020204" charset="0"/>
-              <a:ea typeface="Lato" panose="020B0604020202020204" charset="0"/>
-              <a:cs typeface="Lato" panose="020B0604020202020204" charset="0"/>
-            </a:endParaRPr>
           </a:p>
         </p:txBody>
       </p:sp>
@@ -4108,7 +4094,7 @@
           <a:p>
             <a:pPr algn="ctr"/>
             <a:r>
-              <a:rPr lang="pt-BR" sz="2000" dirty="0" smtClean="0">
+              <a:rPr lang="pt-BR" sz="2000" dirty="0">
                 <a:latin typeface="Lato" panose="020B0604020202020204" charset="0"/>
                 <a:ea typeface="Lato" panose="020B0604020202020204" charset="0"/>
                 <a:cs typeface="Lato" panose="020B0604020202020204" charset="0"/>
@@ -4127,45 +4113,22 @@
               <a:t>Fonte: </a:t>
             </a:r>
             <a:r>
-              <a:rPr lang="pt-BR" sz="2000" dirty="0" smtClean="0">
+              <a:rPr lang="pt-BR" sz="2000" dirty="0">
                 <a:latin typeface="Lato" panose="020B0604020202020204" charset="0"/>
                 <a:ea typeface="Lato" panose="020B0604020202020204" charset="0"/>
                 <a:cs typeface="Lato" panose="020B0604020202020204" charset="0"/>
                 <a:hlinkClick r:id="rId3"/>
               </a:rPr>
-              <a:t>https</a:t>
+              <a:t>https://www.alura.com.br/artigos/como-criar-um-projeto-com-flutter-hello-world</a:t>
             </a:r>
             <a:r>
               <a:rPr lang="pt-BR" sz="2000" dirty="0">
                 <a:latin typeface="Lato" panose="020B0604020202020204" charset="0"/>
                 <a:ea typeface="Lato" panose="020B0604020202020204" charset="0"/>
                 <a:cs typeface="Lato" panose="020B0604020202020204" charset="0"/>
-                <a:hlinkClick r:id="rId3"/>
-              </a:rPr>
-              <a:t>://</a:t>
-            </a:r>
-            <a:r>
-              <a:rPr lang="pt-BR" sz="2000" dirty="0" smtClean="0">
-                <a:latin typeface="Lato" panose="020B0604020202020204" charset="0"/>
-                <a:ea typeface="Lato" panose="020B0604020202020204" charset="0"/>
-                <a:cs typeface="Lato" panose="020B0604020202020204" charset="0"/>
-                <a:hlinkClick r:id="rId3"/>
-              </a:rPr>
-              <a:t>www.alura.com.br/artigos/como-criar-um-projeto-com-flutter-hello-world</a:t>
-            </a:r>
-            <a:r>
-              <a:rPr lang="pt-BR" sz="2000" dirty="0" smtClean="0">
-                <a:latin typeface="Lato" panose="020B0604020202020204" charset="0"/>
-                <a:ea typeface="Lato" panose="020B0604020202020204" charset="0"/>
-                <a:cs typeface="Lato" panose="020B0604020202020204" charset="0"/>
               </a:rPr>
               <a:t>.</a:t>
             </a:r>
-            <a:endParaRPr lang="pt-BR" sz="2000" dirty="0">
-              <a:latin typeface="Lato" panose="020B0604020202020204" charset="0"/>
-              <a:ea typeface="Lato" panose="020B0604020202020204" charset="0"/>
-              <a:cs typeface="Lato" panose="020B0604020202020204" charset="0"/>
-            </a:endParaRPr>
           </a:p>
         </p:txBody>
       </p:sp>
@@ -4225,13 +4188,6 @@
   <p:clrMapOvr>
     <a:masterClrMapping/>
   </p:clrMapOvr>
-  <p:timing>
-    <p:tnLst>
-      <p:par>
-        <p:cTn id="1" dur="indefinite" restart="never" nodeType="tmRoot"/>
-      </p:par>
-    </p:tnLst>
-  </p:timing>
 </p:sld>
 </file>
 
@@ -4305,6 +4261,13 @@
               <a:srgbClr val="2B4A9D"/>
             </a:solidFill>
           </p:spPr>
+          <p:txBody>
+            <a:bodyPr/>
+            <a:lstStyle/>
+            <a:p>
+              <a:endParaRPr lang="pt-BR"/>
+            </a:p>
+          </p:txBody>
         </p:sp>
       </p:grpSp>
       <p:sp>
@@ -4330,7 +4293,7 @@
           <a:p>
             <a:pPr algn="just"/>
             <a:r>
-              <a:rPr lang="pt-BR" sz="3600" b="1" dirty="0" err="1" smtClean="0">
+              <a:rPr lang="pt-BR" sz="3600" b="1" dirty="0" err="1">
                 <a:latin typeface="Lato" panose="020B0604020202020204" charset="0"/>
                 <a:ea typeface="Lato" panose="020B0604020202020204" charset="0"/>
                 <a:cs typeface="Lato" panose="020B0604020202020204" charset="0"/>
@@ -4338,7 +4301,7 @@
               <a:t>lib</a:t>
             </a:r>
             <a:r>
-              <a:rPr lang="pt-BR" sz="3600" b="1" dirty="0" smtClean="0">
+              <a:rPr lang="pt-BR" sz="3600" b="1" dirty="0">
                 <a:latin typeface="Lato" panose="020B0604020202020204" charset="0"/>
                 <a:ea typeface="Lato" panose="020B0604020202020204" charset="0"/>
                 <a:cs typeface="Lato" panose="020B0604020202020204" charset="0"/>
@@ -4346,7 +4309,7 @@
               <a:t>: </a:t>
             </a:r>
             <a:r>
-              <a:rPr lang="pt-BR" sz="3600" dirty="0" smtClean="0">
+              <a:rPr lang="pt-BR" sz="3600" dirty="0">
                 <a:latin typeface="Lato" panose="020B0604020202020204" charset="0"/>
                 <a:ea typeface="Lato" panose="020B0604020202020204" charset="0"/>
                 <a:cs typeface="Lato" panose="020B0604020202020204" charset="0"/>
@@ -4354,7 +4317,7 @@
               <a:t>é o diretório principal de um projeto </a:t>
             </a:r>
             <a:r>
-              <a:rPr lang="pt-BR" sz="3600" dirty="0" err="1" smtClean="0">
+              <a:rPr lang="pt-BR" sz="3600" dirty="0" err="1">
                 <a:latin typeface="Lato" panose="020B0604020202020204" charset="0"/>
                 <a:ea typeface="Lato" panose="020B0604020202020204" charset="0"/>
                 <a:cs typeface="Lato" panose="020B0604020202020204" charset="0"/>
@@ -4362,7 +4325,7 @@
               <a:t>Flutter</a:t>
             </a:r>
             <a:r>
-              <a:rPr lang="pt-BR" sz="3600" dirty="0" smtClean="0">
+              <a:rPr lang="pt-BR" sz="3600" dirty="0">
                 <a:latin typeface="Lato" panose="020B0604020202020204" charset="0"/>
                 <a:ea typeface="Lato" panose="020B0604020202020204" charset="0"/>
                 <a:cs typeface="Lato" panose="020B0604020202020204" charset="0"/>
@@ -4370,7 +4333,7 @@
               <a:t>, na qual é armazenado o código-fonte da aplicação. Um dos elementos encontrado na pasta </a:t>
             </a:r>
             <a:r>
-              <a:rPr lang="pt-BR" sz="3600" dirty="0" err="1" smtClean="0">
+              <a:rPr lang="pt-BR" sz="3600" dirty="0" err="1">
                 <a:latin typeface="Lato" panose="020B0604020202020204" charset="0"/>
                 <a:ea typeface="Lato" panose="020B0604020202020204" charset="0"/>
                 <a:cs typeface="Lato" panose="020B0604020202020204" charset="0"/>
@@ -4378,7 +4341,7 @@
               <a:t>lib</a:t>
             </a:r>
             <a:r>
-              <a:rPr lang="pt-BR" sz="3600" dirty="0" smtClean="0">
+              <a:rPr lang="pt-BR" sz="3600" dirty="0">
                 <a:latin typeface="Lato" panose="020B0604020202020204" charset="0"/>
                 <a:ea typeface="Lato" panose="020B0604020202020204" charset="0"/>
                 <a:cs typeface="Lato" panose="020B0604020202020204" charset="0"/>
@@ -4386,7 +4349,7 @@
               <a:t> é o </a:t>
             </a:r>
             <a:r>
-              <a:rPr lang="pt-BR" sz="3600" dirty="0" err="1" smtClean="0">
+              <a:rPr lang="pt-BR" sz="3600" dirty="0" err="1">
                 <a:latin typeface="Lato" panose="020B0604020202020204" charset="0"/>
                 <a:ea typeface="Lato" panose="020B0604020202020204" charset="0"/>
                 <a:cs typeface="Lato" panose="020B0604020202020204" charset="0"/>
@@ -4394,18 +4357,13 @@
               <a:t>main.dart</a:t>
             </a:r>
             <a:r>
-              <a:rPr lang="pt-BR" sz="3600" dirty="0" smtClean="0">
+              <a:rPr lang="pt-BR" sz="3600" dirty="0">
                 <a:latin typeface="Lato" panose="020B0604020202020204" charset="0"/>
                 <a:ea typeface="Lato" panose="020B0604020202020204" charset="0"/>
                 <a:cs typeface="Lato" panose="020B0604020202020204" charset="0"/>
               </a:rPr>
               <a:t>.</a:t>
             </a:r>
-            <a:endParaRPr lang="pt-BR" sz="3600" dirty="0">
-              <a:latin typeface="Lato" panose="020B0604020202020204" charset="0"/>
-              <a:ea typeface="Lato" panose="020B0604020202020204" charset="0"/>
-              <a:cs typeface="Lato" panose="020B0604020202020204" charset="0"/>
-            </a:endParaRPr>
           </a:p>
         </p:txBody>
       </p:sp>
@@ -4463,7 +4421,7 @@
           <a:p>
             <a:pPr algn="ctr"/>
             <a:r>
-              <a:rPr lang="pt-BR" sz="2000" dirty="0" smtClean="0">
+              <a:rPr lang="pt-BR" sz="2000" dirty="0">
                 <a:latin typeface="Lato" panose="020B0604020202020204" charset="0"/>
                 <a:ea typeface="Lato" panose="020B0604020202020204" charset="0"/>
                 <a:cs typeface="Lato" panose="020B0604020202020204" charset="0"/>
@@ -4482,45 +4440,22 @@
               <a:t>Fonte: </a:t>
             </a:r>
             <a:r>
-              <a:rPr lang="pt-BR" sz="2000" dirty="0" smtClean="0">
+              <a:rPr lang="pt-BR" sz="2000" dirty="0">
                 <a:latin typeface="Lato" panose="020B0604020202020204" charset="0"/>
                 <a:ea typeface="Lato" panose="020B0604020202020204" charset="0"/>
                 <a:cs typeface="Lato" panose="020B0604020202020204" charset="0"/>
                 <a:hlinkClick r:id="rId3"/>
               </a:rPr>
-              <a:t>https</a:t>
+              <a:t>https://www.alura.com.br/artigos/como-criar-um-projeto-com-flutter-hello-world</a:t>
             </a:r>
             <a:r>
               <a:rPr lang="pt-BR" sz="2000" dirty="0">
                 <a:latin typeface="Lato" panose="020B0604020202020204" charset="0"/>
                 <a:ea typeface="Lato" panose="020B0604020202020204" charset="0"/>
                 <a:cs typeface="Lato" panose="020B0604020202020204" charset="0"/>
-                <a:hlinkClick r:id="rId3"/>
-              </a:rPr>
-              <a:t>://</a:t>
-            </a:r>
-            <a:r>
-              <a:rPr lang="pt-BR" sz="2000" dirty="0" smtClean="0">
-                <a:latin typeface="Lato" panose="020B0604020202020204" charset="0"/>
-                <a:ea typeface="Lato" panose="020B0604020202020204" charset="0"/>
-                <a:cs typeface="Lato" panose="020B0604020202020204" charset="0"/>
-                <a:hlinkClick r:id="rId3"/>
-              </a:rPr>
-              <a:t>www.alura.com.br/artigos/como-criar-um-projeto-com-flutter-hello-world</a:t>
-            </a:r>
-            <a:r>
-              <a:rPr lang="pt-BR" sz="2000" dirty="0" smtClean="0">
-                <a:latin typeface="Lato" panose="020B0604020202020204" charset="0"/>
-                <a:ea typeface="Lato" panose="020B0604020202020204" charset="0"/>
-                <a:cs typeface="Lato" panose="020B0604020202020204" charset="0"/>
               </a:rPr>
               <a:t>.</a:t>
             </a:r>
-            <a:endParaRPr lang="pt-BR" sz="2000" dirty="0">
-              <a:latin typeface="Lato" panose="020B0604020202020204" charset="0"/>
-              <a:ea typeface="Lato" panose="020B0604020202020204" charset="0"/>
-              <a:cs typeface="Lato" panose="020B0604020202020204" charset="0"/>
-            </a:endParaRPr>
           </a:p>
         </p:txBody>
       </p:sp>
@@ -4624,7 +4559,7 @@
           <a:p>
             <a:pPr algn="ctr"/>
             <a:r>
-              <a:rPr lang="pt-BR" sz="2000" dirty="0" smtClean="0">
+              <a:rPr lang="pt-BR" sz="2000" dirty="0">
                 <a:latin typeface="Lato" panose="020B0604020202020204" charset="0"/>
                 <a:ea typeface="Lato" panose="020B0604020202020204" charset="0"/>
                 <a:cs typeface="Lato" panose="020B0604020202020204" charset="0"/>
@@ -4632,69 +4567,46 @@
               <a:t>Figura 11 – Pasta </a:t>
             </a:r>
             <a:r>
-              <a:rPr lang="pt-BR" sz="2000" dirty="0" err="1" smtClean="0">
+              <a:rPr lang="pt-BR" sz="2000" dirty="0" err="1">
                 <a:latin typeface="Lato" panose="020B0604020202020204" charset="0"/>
                 <a:ea typeface="Lato" panose="020B0604020202020204" charset="0"/>
                 <a:cs typeface="Lato" panose="020B0604020202020204" charset="0"/>
               </a:rPr>
               <a:t>Lib</a:t>
-            </a:r>
-            <a:endParaRPr lang="pt-BR" sz="2000" dirty="0" smtClean="0">
-              <a:latin typeface="Lato" panose="020B0604020202020204" charset="0"/>
-              <a:ea typeface="Lato" panose="020B0604020202020204" charset="0"/>
-              <a:cs typeface="Lato" panose="020B0604020202020204" charset="0"/>
-            </a:endParaRPr>
-          </a:p>
-          <a:p>
-            <a:pPr algn="ctr"/>
-            <a:r>
-              <a:rPr lang="pt-BR" sz="2000" dirty="0">
-                <a:latin typeface="Lato" panose="020B0604020202020204" charset="0"/>
-                <a:ea typeface="Lato" panose="020B0604020202020204" charset="0"/>
-                <a:cs typeface="Lato" panose="020B0604020202020204" charset="0"/>
-              </a:rPr>
-              <a:t>Fonte: </a:t>
-            </a:r>
-            <a:r>
-              <a:rPr lang="pt-BR" sz="2000" dirty="0" smtClean="0">
-                <a:latin typeface="Lato" panose="020B0604020202020204" charset="0"/>
-                <a:ea typeface="Lato" panose="020B0604020202020204" charset="0"/>
-                <a:cs typeface="Lato" panose="020B0604020202020204" charset="0"/>
-                <a:hlinkClick r:id="rId5"/>
-              </a:rPr>
-              <a:t>http</a:t>
-            </a:r>
-            <a:r>
-              <a:rPr lang="pt-BR" sz="2000" dirty="0">
-                <a:latin typeface="Lato" panose="020B0604020202020204" charset="0"/>
-                <a:ea typeface="Lato" panose="020B0604020202020204" charset="0"/>
-                <a:cs typeface="Lato" panose="020B0604020202020204" charset="0"/>
-                <a:hlinkClick r:id="rId5"/>
-              </a:rPr>
-              <a:t>://flutlab.io</a:t>
-            </a:r>
-            <a:r>
-              <a:rPr lang="pt-BR" sz="2000" dirty="0" smtClean="0">
-                <a:latin typeface="Lato" panose="020B0604020202020204" charset="0"/>
-                <a:ea typeface="Lato" panose="020B0604020202020204" charset="0"/>
-                <a:cs typeface="Lato" panose="020B0604020202020204" charset="0"/>
-                <a:hlinkClick r:id="rId5"/>
-              </a:rPr>
-              <a:t>/</a:t>
-            </a:r>
-            <a:r>
-              <a:rPr lang="pt-BR" sz="2000" dirty="0" smtClean="0">
-                <a:latin typeface="Lato" panose="020B0604020202020204" charset="0"/>
-                <a:ea typeface="Lato" panose="020B0604020202020204" charset="0"/>
-                <a:cs typeface="Lato" panose="020B0604020202020204" charset="0"/>
-              </a:rPr>
-              <a:t>.</a:t>
             </a:r>
             <a:endParaRPr lang="pt-BR" sz="2000" dirty="0">
               <a:latin typeface="Lato" panose="020B0604020202020204" charset="0"/>
               <a:ea typeface="Lato" panose="020B0604020202020204" charset="0"/>
               <a:cs typeface="Lato" panose="020B0604020202020204" charset="0"/>
             </a:endParaRPr>
+          </a:p>
+          <a:p>
+            <a:pPr algn="ctr"/>
+            <a:r>
+              <a:rPr lang="pt-BR" sz="2000" dirty="0">
+                <a:latin typeface="Lato" panose="020B0604020202020204" charset="0"/>
+                <a:ea typeface="Lato" panose="020B0604020202020204" charset="0"/>
+                <a:cs typeface="Lato" panose="020B0604020202020204" charset="0"/>
+              </a:rPr>
+              <a:t>Fonte: </a:t>
+            </a:r>
+            <a:r>
+              <a:rPr lang="pt-BR" sz="2000" dirty="0">
+                <a:latin typeface="Lato" panose="020B0604020202020204" charset="0"/>
+                <a:ea typeface="Lato" panose="020B0604020202020204" charset="0"/>
+                <a:cs typeface="Lato" panose="020B0604020202020204" charset="0"/>
+                <a:hlinkClick r:id="rId5"/>
+              </a:rPr>
+              <a:t>http://flutlab.io/</a:t>
+            </a:r>
+            <a:r>
+              <a:rPr lang="pt-BR" sz="2000" dirty="0">
+                <a:latin typeface="Lato" panose="020B0604020202020204" charset="0"/>
+                <a:ea typeface="Lato" panose="020B0604020202020204" charset="0"/>
+                <a:cs typeface="Lato" panose="020B0604020202020204" charset="0"/>
+              </a:rPr>
+              <a:t>.</a:t>
+            </a:r>
           </a:p>
         </p:txBody>
       </p:sp>
@@ -4708,13 +4620,6 @@
   <p:clrMapOvr>
     <a:masterClrMapping/>
   </p:clrMapOvr>
-  <p:timing>
-    <p:tnLst>
-      <p:par>
-        <p:cTn id="1" dur="indefinite" restart="never" nodeType="tmRoot"/>
-      </p:par>
-    </p:tnLst>
-  </p:timing>
 </p:sld>
 </file>
 
@@ -4801,199 +4706,118 @@
               <a:t>. Disponível em: </a:t>
             </a:r>
             <a:r>
-              <a:rPr lang="pt-BR" sz="3600" dirty="0" smtClean="0">
+              <a:rPr lang="pt-BR" sz="3600" dirty="0">
                 <a:latin typeface="Lato" panose="020B0604020202020204" charset="0"/>
                 <a:ea typeface="Lato" panose="020B0604020202020204" charset="0"/>
                 <a:cs typeface="Lato" panose="020B0604020202020204" charset="0"/>
                 <a:hlinkClick r:id="rId2"/>
               </a:rPr>
-              <a:t>https</a:t>
+              <a:t>https://www.alura.com.br/artigos/como-criar-um-projeto-com-flutter-hello-world</a:t>
             </a:r>
             <a:r>
               <a:rPr lang="pt-BR" sz="3600" dirty="0">
                 <a:latin typeface="Lato" panose="020B0604020202020204" charset="0"/>
                 <a:ea typeface="Lato" panose="020B0604020202020204" charset="0"/>
                 <a:cs typeface="Lato" panose="020B0604020202020204" charset="0"/>
-                <a:hlinkClick r:id="rId2"/>
-              </a:rPr>
-              <a:t>://</a:t>
-            </a:r>
-            <a:r>
-              <a:rPr lang="pt-BR" sz="3600" dirty="0" smtClean="0">
-                <a:latin typeface="Lato" panose="020B0604020202020204" charset="0"/>
-                <a:ea typeface="Lato" panose="020B0604020202020204" charset="0"/>
-                <a:cs typeface="Lato" panose="020B0604020202020204" charset="0"/>
-                <a:hlinkClick r:id="rId2"/>
-              </a:rPr>
-              <a:t>www.alura.com.br/artigos/como-criar-um-projeto-com-flutter-hello-world</a:t>
-            </a:r>
-            <a:r>
-              <a:rPr lang="pt-BR" sz="3600" dirty="0" smtClean="0">
-                <a:latin typeface="Lato" panose="020B0604020202020204" charset="0"/>
-                <a:ea typeface="Lato" panose="020B0604020202020204" charset="0"/>
-                <a:cs typeface="Lato" panose="020B0604020202020204" charset="0"/>
-              </a:rPr>
-              <a:t>. Acesso </a:t>
-            </a:r>
-            <a:r>
-              <a:rPr lang="pt-BR" sz="3600" dirty="0">
-                <a:latin typeface="Lato" panose="020B0604020202020204" charset="0"/>
-                <a:ea typeface="Lato" panose="020B0604020202020204" charset="0"/>
-                <a:cs typeface="Lato" panose="020B0604020202020204" charset="0"/>
-              </a:rPr>
-              <a:t>em: 2 mar. 2024</a:t>
-            </a:r>
-            <a:r>
-              <a:rPr lang="pt-BR" sz="3600" dirty="0" smtClean="0">
-                <a:latin typeface="Lato" panose="020B0604020202020204" charset="0"/>
-                <a:ea typeface="Lato" panose="020B0604020202020204" charset="0"/>
-                <a:cs typeface="Lato" panose="020B0604020202020204" charset="0"/>
-              </a:rPr>
-              <a:t>.</a:t>
+              </a:rPr>
+              <a:t>. Acesso em: 2 mar. 2024.</a:t>
             </a:r>
           </a:p>
           <a:p>
             <a:pPr algn="just"/>
-            <a:endParaRPr lang="pt-BR" sz="3600" dirty="0" smtClean="0">
-              <a:latin typeface="Lato" panose="020B0604020202020204" charset="0"/>
-              <a:ea typeface="Lato" panose="020B0604020202020204" charset="0"/>
-              <a:cs typeface="Lato" panose="020B0604020202020204" charset="0"/>
-            </a:endParaRPr>
-          </a:p>
-          <a:p>
-            <a:pPr marL="571500" indent="-571500" algn="just">
-              <a:buFont typeface="Arial" panose="020B0604020202020204" pitchFamily="34" charset="0"/>
-              <a:buChar char="•"/>
-            </a:pPr>
-            <a:r>
-              <a:rPr lang="pt-BR" sz="3600" dirty="0">
-                <a:latin typeface="Lato" panose="020B0604020202020204" charset="0"/>
-                <a:ea typeface="Lato" panose="020B0604020202020204" charset="0"/>
-                <a:cs typeface="Lato" panose="020B0604020202020204" charset="0"/>
-              </a:rPr>
-              <a:t>SILVA, R. </a:t>
-            </a:r>
-            <a:r>
-              <a:rPr lang="pt-BR" sz="3600" b="1" dirty="0">
-                <a:latin typeface="Lato" panose="020B0604020202020204" charset="0"/>
-                <a:ea typeface="Lato" panose="020B0604020202020204" charset="0"/>
-                <a:cs typeface="Lato" panose="020B0604020202020204" charset="0"/>
-              </a:rPr>
-              <a:t>Como estruturar seus projetos </a:t>
-            </a:r>
-            <a:r>
-              <a:rPr lang="pt-BR" sz="3600" b="1" dirty="0" err="1">
-                <a:latin typeface="Lato" panose="020B0604020202020204" charset="0"/>
-                <a:ea typeface="Lato" panose="020B0604020202020204" charset="0"/>
-                <a:cs typeface="Lato" panose="020B0604020202020204" charset="0"/>
-              </a:rPr>
-              <a:t>Flutter</a:t>
-            </a:r>
-            <a:r>
-              <a:rPr lang="pt-BR" sz="3600" b="1" dirty="0">
-                <a:latin typeface="Lato" panose="020B0604020202020204" charset="0"/>
-                <a:ea typeface="Lato" panose="020B0604020202020204" charset="0"/>
-                <a:cs typeface="Lato" panose="020B0604020202020204" charset="0"/>
-              </a:rPr>
-              <a:t> </a:t>
-            </a:r>
-            <a:r>
-              <a:rPr lang="pt-BR" sz="3600" b="1" dirty="0" smtClean="0">
-                <a:latin typeface="Lato" panose="020B0604020202020204" charset="0"/>
-                <a:ea typeface="Lato" panose="020B0604020202020204" charset="0"/>
-                <a:cs typeface="Lato" panose="020B0604020202020204" charset="0"/>
-              </a:rPr>
-              <a:t>- </a:t>
-            </a:r>
-            <a:r>
-              <a:rPr lang="pt-BR" sz="3600" b="1" dirty="0" err="1">
-                <a:latin typeface="Lato" panose="020B0604020202020204" charset="0"/>
-                <a:ea typeface="Lato" panose="020B0604020202020204" charset="0"/>
-                <a:cs typeface="Lato" panose="020B0604020202020204" charset="0"/>
-              </a:rPr>
-              <a:t>Catskillet</a:t>
-            </a:r>
-            <a:r>
-              <a:rPr lang="pt-BR" sz="3600" b="1" dirty="0">
-                <a:latin typeface="Lato" panose="020B0604020202020204" charset="0"/>
-                <a:ea typeface="Lato" panose="020B0604020202020204" charset="0"/>
-                <a:cs typeface="Lato" panose="020B0604020202020204" charset="0"/>
-              </a:rPr>
-              <a:t> - </a:t>
-            </a:r>
-            <a:r>
-              <a:rPr lang="pt-BR" sz="3600" b="1" dirty="0" err="1">
-                <a:latin typeface="Lato" panose="020B0604020202020204" charset="0"/>
-                <a:ea typeface="Lato" panose="020B0604020202020204" charset="0"/>
-                <a:cs typeface="Lato" panose="020B0604020202020204" charset="0"/>
-              </a:rPr>
-              <a:t>Medium</a:t>
-            </a:r>
-            <a:r>
-              <a:rPr lang="pt-BR" sz="3600" dirty="0">
-                <a:latin typeface="Lato" panose="020B0604020202020204" charset="0"/>
-                <a:ea typeface="Lato" panose="020B0604020202020204" charset="0"/>
-                <a:cs typeface="Lato" panose="020B0604020202020204" charset="0"/>
-              </a:rPr>
-              <a:t>. Disponível em: </a:t>
-            </a:r>
-            <a:r>
-              <a:rPr lang="pt-BR" sz="3600" dirty="0" smtClean="0">
-                <a:latin typeface="Lato" panose="020B0604020202020204" charset="0"/>
-                <a:ea typeface="Lato" panose="020B0604020202020204" charset="0"/>
-                <a:cs typeface="Lato" panose="020B0604020202020204" charset="0"/>
-                <a:hlinkClick r:id="rId3"/>
-              </a:rPr>
-              <a:t>https</a:t>
-            </a:r>
-            <a:r>
-              <a:rPr lang="pt-BR" sz="3600" dirty="0">
-                <a:latin typeface="Lato" panose="020B0604020202020204" charset="0"/>
-                <a:ea typeface="Lato" panose="020B0604020202020204" charset="0"/>
-                <a:cs typeface="Lato" panose="020B0604020202020204" charset="0"/>
-                <a:hlinkClick r:id="rId3"/>
-              </a:rPr>
-              <a:t>://medium.com/catskillet/como-estruturar-os-seus-projetos-flutter-%</a:t>
-            </a:r>
-            <a:r>
-              <a:rPr lang="pt-BR" sz="3600" dirty="0" smtClean="0">
-                <a:latin typeface="Lato" panose="020B0604020202020204" charset="0"/>
-                <a:ea typeface="Lato" panose="020B0604020202020204" charset="0"/>
-                <a:cs typeface="Lato" panose="020B0604020202020204" charset="0"/>
-                <a:hlinkClick r:id="rId3"/>
-              </a:rPr>
-              <a:t>EF%B8%8F-685566c49337</a:t>
-            </a:r>
-            <a:r>
-              <a:rPr lang="pt-BR" sz="3600" dirty="0" smtClean="0">
-                <a:latin typeface="Lato" panose="020B0604020202020204" charset="0"/>
-                <a:ea typeface="Lato" panose="020B0604020202020204" charset="0"/>
-                <a:cs typeface="Lato" panose="020B0604020202020204" charset="0"/>
-              </a:rPr>
-              <a:t>. </a:t>
-            </a:r>
-            <a:r>
-              <a:rPr lang="pt-BR" sz="3600" dirty="0">
-                <a:latin typeface="Lato" panose="020B0604020202020204" charset="0"/>
-                <a:ea typeface="Lato" panose="020B0604020202020204" charset="0"/>
-                <a:cs typeface="Lato" panose="020B0604020202020204" charset="0"/>
-              </a:rPr>
-              <a:t>Acesso em: 2 mar. 2024</a:t>
-            </a:r>
-            <a:r>
-              <a:rPr lang="pt-BR" sz="3600" dirty="0" smtClean="0">
-                <a:latin typeface="Lato" panose="020B0604020202020204" charset="0"/>
-                <a:ea typeface="Lato" panose="020B0604020202020204" charset="0"/>
-                <a:cs typeface="Lato" panose="020B0604020202020204" charset="0"/>
-              </a:rPr>
-              <a:t>.</a:t>
-            </a:r>
             <a:endParaRPr lang="pt-BR" sz="3600" dirty="0">
               <a:latin typeface="Lato" panose="020B0604020202020204" charset="0"/>
               <a:ea typeface="Lato" panose="020B0604020202020204" charset="0"/>
               <a:cs typeface="Lato" panose="020B0604020202020204" charset="0"/>
             </a:endParaRPr>
           </a:p>
+          <a:p>
+            <a:pPr marL="571500" indent="-571500" algn="just">
+              <a:buFont typeface="Arial" panose="020B0604020202020204" pitchFamily="34" charset="0"/>
+              <a:buChar char="•"/>
+            </a:pPr>
+            <a:r>
+              <a:rPr lang="pt-BR" sz="3600" dirty="0">
+                <a:latin typeface="Lato" panose="020B0604020202020204" charset="0"/>
+                <a:ea typeface="Lato" panose="020B0604020202020204" charset="0"/>
+                <a:cs typeface="Lato" panose="020B0604020202020204" charset="0"/>
+              </a:rPr>
+              <a:t>SILVA, R. </a:t>
+            </a:r>
+            <a:r>
+              <a:rPr lang="pt-BR" sz="3600" b="1" dirty="0">
+                <a:latin typeface="Lato" panose="020B0604020202020204" charset="0"/>
+                <a:ea typeface="Lato" panose="020B0604020202020204" charset="0"/>
+                <a:cs typeface="Lato" panose="020B0604020202020204" charset="0"/>
+              </a:rPr>
+              <a:t>Como estruturar seus projetos </a:t>
+            </a:r>
+            <a:r>
+              <a:rPr lang="pt-BR" sz="3600" b="1" dirty="0" err="1">
+                <a:latin typeface="Lato" panose="020B0604020202020204" charset="0"/>
+                <a:ea typeface="Lato" panose="020B0604020202020204" charset="0"/>
+                <a:cs typeface="Lato" panose="020B0604020202020204" charset="0"/>
+              </a:rPr>
+              <a:t>Flutter</a:t>
+            </a:r>
+            <a:r>
+              <a:rPr lang="pt-BR" sz="3600" b="1" dirty="0">
+                <a:latin typeface="Lato" panose="020B0604020202020204" charset="0"/>
+                <a:ea typeface="Lato" panose="020B0604020202020204" charset="0"/>
+                <a:cs typeface="Lato" panose="020B0604020202020204" charset="0"/>
+              </a:rPr>
+              <a:t> - </a:t>
+            </a:r>
+            <a:r>
+              <a:rPr lang="pt-BR" sz="3600" b="1" dirty="0" err="1">
+                <a:latin typeface="Lato" panose="020B0604020202020204" charset="0"/>
+                <a:ea typeface="Lato" panose="020B0604020202020204" charset="0"/>
+                <a:cs typeface="Lato" panose="020B0604020202020204" charset="0"/>
+              </a:rPr>
+              <a:t>Catskillet</a:t>
+            </a:r>
+            <a:r>
+              <a:rPr lang="pt-BR" sz="3600" b="1" dirty="0">
+                <a:latin typeface="Lato" panose="020B0604020202020204" charset="0"/>
+                <a:ea typeface="Lato" panose="020B0604020202020204" charset="0"/>
+                <a:cs typeface="Lato" panose="020B0604020202020204" charset="0"/>
+              </a:rPr>
+              <a:t> - </a:t>
+            </a:r>
+            <a:r>
+              <a:rPr lang="pt-BR" sz="3600" b="1" dirty="0" err="1">
+                <a:latin typeface="Lato" panose="020B0604020202020204" charset="0"/>
+                <a:ea typeface="Lato" panose="020B0604020202020204" charset="0"/>
+                <a:cs typeface="Lato" panose="020B0604020202020204" charset="0"/>
+              </a:rPr>
+              <a:t>Medium</a:t>
+            </a:r>
+            <a:r>
+              <a:rPr lang="pt-BR" sz="3600" dirty="0">
+                <a:latin typeface="Lato" panose="020B0604020202020204" charset="0"/>
+                <a:ea typeface="Lato" panose="020B0604020202020204" charset="0"/>
+                <a:cs typeface="Lato" panose="020B0604020202020204" charset="0"/>
+              </a:rPr>
+              <a:t>. Disponível em: </a:t>
+            </a:r>
+            <a:r>
+              <a:rPr lang="pt-BR" sz="3600" dirty="0">
+                <a:latin typeface="Lato" panose="020B0604020202020204" charset="0"/>
+                <a:ea typeface="Lato" panose="020B0604020202020204" charset="0"/>
+                <a:cs typeface="Lato" panose="020B0604020202020204" charset="0"/>
+                <a:hlinkClick r:id="rId3"/>
+              </a:rPr>
+              <a:t>https://medium.com/catskillet/como-estruturar-os-seus-projetos-flutter-%EF%B8%8F-685566c49337</a:t>
+            </a:r>
+            <a:r>
+              <a:rPr lang="pt-BR" sz="3600" dirty="0">
+                <a:latin typeface="Lato" panose="020B0604020202020204" charset="0"/>
+                <a:ea typeface="Lato" panose="020B0604020202020204" charset="0"/>
+                <a:cs typeface="Lato" panose="020B0604020202020204" charset="0"/>
+              </a:rPr>
+              <a:t>. Acesso em: 2 mar. 2024.</a:t>
+            </a:r>
+          </a:p>
         </p:txBody>
       </p:sp>
       <p:sp>
@@ -5023,7 +4847,7 @@
               </a:lnSpc>
             </a:pPr>
             <a:r>
-              <a:rPr lang="en-US" sz="6000" spc="225" dirty="0" err="1" smtClean="0">
+              <a:rPr lang="en-US" sz="6000" spc="225" dirty="0" err="1">
                 <a:solidFill>
                   <a:srgbClr val="2B4A9D"/>
                 </a:solidFill>
@@ -5093,6 +4917,13 @@
               <a:srgbClr val="2B4A9D"/>
             </a:solidFill>
           </p:spPr>
+          <p:txBody>
+            <a:bodyPr/>
+            <a:lstStyle/>
+            <a:p>
+              <a:endParaRPr lang="pt-BR"/>
+            </a:p>
+          </p:txBody>
         </p:sp>
       </p:grpSp>
     </p:spTree>
@@ -5100,13 +4931,6 @@
   <p:clrMapOvr>
     <a:masterClrMapping/>
   </p:clrMapOvr>
-  <p:timing>
-    <p:tnLst>
-      <p:par>
-        <p:cTn id="1" dur="indefinite" restart="never" nodeType="tmRoot"/>
-      </p:par>
-    </p:tnLst>
-  </p:timing>
 </p:sld>
 </file>
 
@@ -5180,6 +5004,13 @@
               <a:srgbClr val="2B4A9D"/>
             </a:solidFill>
           </p:spPr>
+          <p:txBody>
+            <a:bodyPr/>
+            <a:lstStyle/>
+            <a:p>
+              <a:endParaRPr lang="pt-BR"/>
+            </a:p>
+          </p:txBody>
         </p:sp>
       </p:grpSp>
       <p:grpSp>
@@ -5235,6 +5066,13 @@
               <a:srgbClr val="2B4A9D"/>
             </a:solidFill>
           </p:spPr>
+          <p:txBody>
+            <a:bodyPr/>
+            <a:lstStyle/>
+            <a:p>
+              <a:endParaRPr lang="pt-BR"/>
+            </a:p>
+          </p:txBody>
         </p:sp>
       </p:grpSp>
       <p:grpSp>
@@ -5309,6 +5147,13 @@
               <a:srgbClr val="FFFFFF"/>
             </a:solidFill>
           </p:spPr>
+          <p:txBody>
+            <a:bodyPr/>
+            <a:lstStyle/>
+            <a:p>
+              <a:endParaRPr lang="pt-BR"/>
+            </a:p>
+          </p:txBody>
         </p:sp>
       </p:grpSp>
       <p:grpSp>
@@ -5383,6 +5228,13 @@
               <a:srgbClr val="2B4A9D"/>
             </a:solidFill>
           </p:spPr>
+          <p:txBody>
+            <a:bodyPr/>
+            <a:lstStyle/>
+            <a:p>
+              <a:endParaRPr lang="pt-BR"/>
+            </a:p>
+          </p:txBody>
         </p:sp>
       </p:grpSp>
       <p:grpSp>
@@ -5457,6 +5309,13 @@
               <a:srgbClr val="2B4A9D"/>
             </a:solidFill>
           </p:spPr>
+          <p:txBody>
+            <a:bodyPr/>
+            <a:lstStyle/>
+            <a:p>
+              <a:endParaRPr lang="pt-BR"/>
+            </a:p>
+          </p:txBody>
         </p:sp>
       </p:grpSp>
       <p:grpSp>
@@ -5537,6 +5396,13 @@
               <a:srgbClr val="2B4A9D"/>
             </a:solidFill>
           </p:spPr>
+          <p:txBody>
+            <a:bodyPr/>
+            <a:lstStyle/>
+            <a:p>
+              <a:endParaRPr lang="pt-BR"/>
+            </a:p>
+          </p:txBody>
         </p:sp>
       </p:grpSp>
       <p:sp>
@@ -5655,6 +5521,13 @@
               <a:srgbClr val="2B4A9D"/>
             </a:solidFill>
           </p:spPr>
+          <p:txBody>
+            <a:bodyPr/>
+            <a:lstStyle/>
+            <a:p>
+              <a:endParaRPr lang="pt-BR"/>
+            </a:p>
+          </p:txBody>
         </p:sp>
       </p:grpSp>
       <p:sp>
@@ -5684,7 +5557,7 @@
               </a:lnSpc>
             </a:pPr>
             <a:r>
-              <a:rPr lang="en-US" sz="3500" spc="350" dirty="0" smtClean="0">
+              <a:rPr lang="en-US" sz="3500" spc="350" dirty="0">
                 <a:solidFill>
                   <a:srgbClr val="2B4A9D"/>
                 </a:solidFill>
@@ -5693,7 +5566,7 @@
               <a:t>A </a:t>
             </a:r>
             <a:r>
-              <a:rPr lang="en-US" sz="3500" spc="350" dirty="0" err="1" smtClean="0">
+              <a:rPr lang="en-US" sz="3500" spc="350" dirty="0" err="1">
                 <a:solidFill>
                   <a:srgbClr val="2B4A9D"/>
                 </a:solidFill>
@@ -5702,7 +5575,7 @@
               <a:t>estrutura</a:t>
             </a:r>
             <a:r>
-              <a:rPr lang="en-US" sz="3500" spc="350" dirty="0" smtClean="0">
+              <a:rPr lang="en-US" sz="3500" spc="350" dirty="0">
                 <a:solidFill>
                   <a:srgbClr val="2B4A9D"/>
                 </a:solidFill>
@@ -5711,7 +5584,7 @@
               <a:t> de pastas de um </a:t>
             </a:r>
             <a:r>
-              <a:rPr lang="en-US" sz="3500" spc="350" dirty="0" err="1" smtClean="0">
+              <a:rPr lang="en-US" sz="3500" spc="350" dirty="0" err="1">
                 <a:solidFill>
                   <a:srgbClr val="2B4A9D"/>
                 </a:solidFill>
@@ -5720,7 +5593,7 @@
               <a:t>projeto</a:t>
             </a:r>
             <a:r>
-              <a:rPr lang="en-US" sz="3500" spc="350" dirty="0" smtClean="0">
+              <a:rPr lang="en-US" sz="3500" spc="350" dirty="0">
                 <a:solidFill>
                   <a:srgbClr val="2B4A9D"/>
                 </a:solidFill>
@@ -5728,12 +5601,6 @@
               </a:rPr>
               <a:t> Flutter</a:t>
             </a:r>
-            <a:endParaRPr lang="en-US" sz="3500" spc="350" dirty="0">
-              <a:solidFill>
-                <a:srgbClr val="2B4A9D"/>
-              </a:solidFill>
-              <a:latin typeface="Lato Bold"/>
-            </a:endParaRPr>
           </a:p>
         </p:txBody>
       </p:sp>
@@ -5742,13 +5609,6 @@
   <p:clrMapOvr>
     <a:masterClrMapping/>
   </p:clrMapOvr>
-  <p:timing>
-    <p:tnLst>
-      <p:par>
-        <p:cTn id="1" dur="indefinite" restart="never" nodeType="tmRoot"/>
-      </p:par>
-    </p:tnLst>
-  </p:timing>
 </p:sld>
 </file>
 
@@ -5796,7 +5656,7 @@
               </a:lnSpc>
             </a:pPr>
             <a:r>
-              <a:rPr lang="en-US" sz="5000" spc="300" dirty="0" err="1" smtClean="0">
+              <a:rPr lang="en-US" sz="5000" spc="300" dirty="0" err="1">
                 <a:solidFill>
                   <a:srgbClr val="2B4A9D"/>
                 </a:solidFill>
@@ -5805,7 +5665,7 @@
               <a:t>Estrutura</a:t>
             </a:r>
             <a:r>
-              <a:rPr lang="en-US" sz="5000" spc="300" dirty="0" smtClean="0">
+              <a:rPr lang="en-US" sz="5000" spc="300" dirty="0">
                 <a:solidFill>
                   <a:srgbClr val="2B4A9D"/>
                 </a:solidFill>
@@ -5813,12 +5673,6 @@
               </a:rPr>
               <a:t> de Pastas</a:t>
             </a:r>
-            <a:endParaRPr lang="en-US" sz="5000" spc="300" dirty="0">
-              <a:solidFill>
-                <a:srgbClr val="2B4A9D"/>
-              </a:solidFill>
-              <a:latin typeface="Poppins Ultra-Bold"/>
-            </a:endParaRPr>
           </a:p>
         </p:txBody>
       </p:sp>
@@ -5875,6 +5729,13 @@
               <a:srgbClr val="2B4A9D"/>
             </a:solidFill>
           </p:spPr>
+          <p:txBody>
+            <a:bodyPr/>
+            <a:lstStyle/>
+            <a:p>
+              <a:endParaRPr lang="pt-BR"/>
+            </a:p>
+          </p:txBody>
         </p:sp>
       </p:grpSp>
       <p:sp>
@@ -5904,7 +5765,7 @@
               </a:lnSpc>
             </a:pPr>
             <a:r>
-              <a:rPr lang="en-US" sz="3399" spc="339" dirty="0" smtClean="0">
+              <a:rPr lang="en-US" sz="3399" spc="339" dirty="0">
                 <a:solidFill>
                   <a:srgbClr val="000000"/>
                 </a:solidFill>
@@ -5913,7 +5774,7 @@
               <a:t>Um </a:t>
             </a:r>
             <a:r>
-              <a:rPr lang="en-US" sz="3399" spc="339" dirty="0" err="1" smtClean="0">
+              <a:rPr lang="en-US" sz="3399" spc="339" dirty="0" err="1">
                 <a:solidFill>
                   <a:srgbClr val="000000"/>
                 </a:solidFill>
@@ -5922,7 +5783,7 @@
               <a:t>projeto</a:t>
             </a:r>
             <a:r>
-              <a:rPr lang="en-US" sz="3399" spc="339" dirty="0" smtClean="0">
+              <a:rPr lang="en-US" sz="3399" spc="339" dirty="0">
                 <a:solidFill>
                   <a:srgbClr val="000000"/>
                 </a:solidFill>
@@ -5931,7 +5792,7 @@
               <a:t> </a:t>
             </a:r>
             <a:r>
-              <a:rPr lang="en-US" sz="3399" spc="339" dirty="0" err="1" smtClean="0">
+              <a:rPr lang="en-US" sz="3399" spc="339" dirty="0" err="1">
                 <a:solidFill>
                   <a:srgbClr val="000000"/>
                 </a:solidFill>
@@ -5940,7 +5801,7 @@
               <a:t>em</a:t>
             </a:r>
             <a:r>
-              <a:rPr lang="en-US" sz="3399" spc="339" dirty="0" smtClean="0">
+              <a:rPr lang="en-US" sz="3399" spc="339" dirty="0">
                 <a:solidFill>
                   <a:srgbClr val="000000"/>
                 </a:solidFill>
@@ -5949,7 +5810,7 @@
               <a:t> Flutter é </a:t>
             </a:r>
             <a:r>
-              <a:rPr lang="en-US" sz="3399" spc="339" dirty="0" err="1" smtClean="0">
+              <a:rPr lang="en-US" sz="3399" spc="339" dirty="0" err="1">
                 <a:solidFill>
                   <a:srgbClr val="000000"/>
                 </a:solidFill>
@@ -5958,7 +5819,7 @@
               <a:t>dividido</a:t>
             </a:r>
             <a:r>
-              <a:rPr lang="en-US" sz="3399" spc="339" dirty="0" smtClean="0">
+              <a:rPr lang="en-US" sz="3399" spc="339" dirty="0">
                 <a:solidFill>
                   <a:srgbClr val="000000"/>
                 </a:solidFill>
@@ -5967,7 +5828,7 @@
               <a:t> </a:t>
             </a:r>
             <a:r>
-              <a:rPr lang="en-US" sz="3399" spc="339" dirty="0" err="1" smtClean="0">
+              <a:rPr lang="en-US" sz="3399" spc="339" dirty="0" err="1">
                 <a:solidFill>
                   <a:srgbClr val="000000"/>
                 </a:solidFill>
@@ -5976,7 +5837,7 @@
               <a:t>pela</a:t>
             </a:r>
             <a:r>
-              <a:rPr lang="en-US" sz="3399" spc="339" dirty="0" smtClean="0">
+              <a:rPr lang="en-US" sz="3399" spc="339" dirty="0">
                 <a:solidFill>
                   <a:srgbClr val="000000"/>
                 </a:solidFill>
@@ -5985,7 +5846,7 @@
               <a:t> </a:t>
             </a:r>
             <a:r>
-              <a:rPr lang="en-US" sz="3399" spc="339" dirty="0" err="1" smtClean="0">
+              <a:rPr lang="en-US" sz="3399" spc="339" dirty="0" err="1">
                 <a:solidFill>
                   <a:srgbClr val="000000"/>
                 </a:solidFill>
@@ -5994,7 +5855,7 @@
               <a:t>seguinte</a:t>
             </a:r>
             <a:r>
-              <a:rPr lang="en-US" sz="3399" spc="339" dirty="0" smtClean="0">
+              <a:rPr lang="en-US" sz="3399" spc="339" dirty="0">
                 <a:solidFill>
                   <a:srgbClr val="000000"/>
                 </a:solidFill>
@@ -6003,7 +5864,7 @@
               <a:t> </a:t>
             </a:r>
             <a:r>
-              <a:rPr lang="en-US" sz="3399" spc="339" dirty="0" err="1" smtClean="0">
+              <a:rPr lang="en-US" sz="3399" spc="339" dirty="0" err="1">
                 <a:solidFill>
                   <a:srgbClr val="000000"/>
                 </a:solidFill>
@@ -6012,7 +5873,7 @@
               <a:t>estrutura</a:t>
             </a:r>
             <a:r>
-              <a:rPr lang="en-US" sz="3399" spc="339" dirty="0" smtClean="0">
+              <a:rPr lang="en-US" sz="3399" spc="339" dirty="0">
                 <a:solidFill>
                   <a:srgbClr val="000000"/>
                 </a:solidFill>
@@ -6021,7 +5882,7 @@
               <a:t>, </a:t>
             </a:r>
             <a:r>
-              <a:rPr lang="en-US" sz="3399" spc="339" dirty="0" err="1" smtClean="0">
+              <a:rPr lang="en-US" sz="3399" spc="339" dirty="0" err="1">
                 <a:solidFill>
                   <a:srgbClr val="000000"/>
                 </a:solidFill>
@@ -6030,7 +5891,7 @@
               <a:t>conforme</a:t>
             </a:r>
             <a:r>
-              <a:rPr lang="en-US" sz="3399" spc="339" dirty="0" smtClean="0">
+              <a:rPr lang="en-US" sz="3399" spc="339" dirty="0">
                 <a:solidFill>
                   <a:srgbClr val="000000"/>
                 </a:solidFill>
@@ -6039,7 +5900,7 @@
               <a:t> </a:t>
             </a:r>
             <a:r>
-              <a:rPr lang="en-US" sz="3399" spc="339" dirty="0" err="1" smtClean="0">
+              <a:rPr lang="en-US" sz="3399" spc="339" dirty="0" err="1">
                 <a:solidFill>
                   <a:srgbClr val="000000"/>
                 </a:solidFill>
@@ -6048,7 +5909,7 @@
               <a:t>apresentado</a:t>
             </a:r>
             <a:r>
-              <a:rPr lang="en-US" sz="3399" spc="339" dirty="0" smtClean="0">
+              <a:rPr lang="en-US" sz="3399" spc="339" dirty="0">
                 <a:solidFill>
                   <a:srgbClr val="000000"/>
                 </a:solidFill>
@@ -6057,7 +5918,7 @@
               <a:t> </a:t>
             </a:r>
             <a:r>
-              <a:rPr lang="en-US" sz="3399" spc="339" dirty="0" err="1" smtClean="0">
+              <a:rPr lang="en-US" sz="3399" spc="339" dirty="0" err="1">
                 <a:solidFill>
                   <a:srgbClr val="000000"/>
                 </a:solidFill>
@@ -6066,7 +5927,7 @@
               <a:t>na</a:t>
             </a:r>
             <a:r>
-              <a:rPr lang="en-US" sz="3399" spc="339" dirty="0" smtClean="0">
+              <a:rPr lang="en-US" sz="3399" spc="339" dirty="0">
                 <a:solidFill>
                   <a:srgbClr val="000000"/>
                 </a:solidFill>
@@ -6075,7 +5936,7 @@
               <a:t> </a:t>
             </a:r>
             <a:r>
-              <a:rPr lang="en-US" sz="3399" spc="339" dirty="0" err="1" smtClean="0">
+              <a:rPr lang="en-US" sz="3399" spc="339" dirty="0" err="1">
                 <a:solidFill>
                   <a:srgbClr val="000000"/>
                 </a:solidFill>
@@ -6084,7 +5945,7 @@
               <a:t>imagem</a:t>
             </a:r>
             <a:r>
-              <a:rPr lang="en-US" sz="3399" spc="339" dirty="0" smtClean="0">
+              <a:rPr lang="en-US" sz="3399" spc="339" dirty="0">
                 <a:solidFill>
                   <a:srgbClr val="000000"/>
                 </a:solidFill>
@@ -6093,7 +5954,7 @@
               <a:t> </a:t>
             </a:r>
             <a:r>
-              <a:rPr lang="en-US" sz="3399" spc="339" dirty="0" err="1" smtClean="0">
+              <a:rPr lang="en-US" sz="3399" spc="339" dirty="0" err="1">
                 <a:solidFill>
                   <a:srgbClr val="000000"/>
                 </a:solidFill>
@@ -6102,7 +5963,7 @@
               <a:t>ao</a:t>
             </a:r>
             <a:r>
-              <a:rPr lang="en-US" sz="3399" spc="339" dirty="0" smtClean="0">
+              <a:rPr lang="en-US" sz="3399" spc="339" dirty="0">
                 <a:solidFill>
                   <a:srgbClr val="000000"/>
                 </a:solidFill>
@@ -6111,7 +5972,7 @@
               <a:t> </a:t>
             </a:r>
             <a:r>
-              <a:rPr lang="en-US" sz="3399" spc="339" dirty="0" err="1" smtClean="0">
+              <a:rPr lang="en-US" sz="3399" spc="339" dirty="0" err="1">
                 <a:solidFill>
                   <a:srgbClr val="000000"/>
                 </a:solidFill>
@@ -6120,7 +5981,7 @@
               <a:t>lado</a:t>
             </a:r>
             <a:r>
-              <a:rPr lang="en-US" sz="3399" spc="339" dirty="0" smtClean="0">
+              <a:rPr lang="en-US" sz="3399" spc="339" dirty="0">
                 <a:solidFill>
                   <a:srgbClr val="000000"/>
                 </a:solidFill>
@@ -6128,12 +5989,6 @@
               </a:rPr>
               <a:t>.</a:t>
             </a:r>
-            <a:endParaRPr lang="en-US" sz="3399" spc="339" dirty="0">
-              <a:solidFill>
-                <a:srgbClr val="000000"/>
-              </a:solidFill>
-              <a:latin typeface="Lato"/>
-            </a:endParaRPr>
           </a:p>
         </p:txBody>
       </p:sp>
@@ -6191,7 +6046,7 @@
           <a:p>
             <a:pPr algn="ctr"/>
             <a:r>
-              <a:rPr lang="pt-BR" sz="2000" dirty="0" smtClean="0">
+              <a:rPr lang="pt-BR" sz="2000" dirty="0">
                 <a:latin typeface="Lato" panose="020B0604020202020204" charset="0"/>
                 <a:ea typeface="Lato" panose="020B0604020202020204" charset="0"/>
                 <a:cs typeface="Lato" panose="020B0604020202020204" charset="0"/>
@@ -6210,45 +6065,22 @@
               <a:t>Fonte: </a:t>
             </a:r>
             <a:r>
-              <a:rPr lang="pt-BR" sz="2000" dirty="0" smtClean="0">
+              <a:rPr lang="pt-BR" sz="2000" dirty="0">
                 <a:latin typeface="Lato" panose="020B0604020202020204" charset="0"/>
                 <a:ea typeface="Lato" panose="020B0604020202020204" charset="0"/>
                 <a:cs typeface="Lato" panose="020B0604020202020204" charset="0"/>
                 <a:hlinkClick r:id="rId3"/>
               </a:rPr>
-              <a:t>https</a:t>
+              <a:t>https://www.alura.com.br/artigos/como-criar-um-projeto-com-flutter-hello-world</a:t>
             </a:r>
             <a:r>
               <a:rPr lang="pt-BR" sz="2000" dirty="0">
                 <a:latin typeface="Lato" panose="020B0604020202020204" charset="0"/>
                 <a:ea typeface="Lato" panose="020B0604020202020204" charset="0"/>
                 <a:cs typeface="Lato" panose="020B0604020202020204" charset="0"/>
-                <a:hlinkClick r:id="rId3"/>
-              </a:rPr>
-              <a:t>://</a:t>
-            </a:r>
-            <a:r>
-              <a:rPr lang="pt-BR" sz="2000" dirty="0" smtClean="0">
-                <a:latin typeface="Lato" panose="020B0604020202020204" charset="0"/>
-                <a:ea typeface="Lato" panose="020B0604020202020204" charset="0"/>
-                <a:cs typeface="Lato" panose="020B0604020202020204" charset="0"/>
-                <a:hlinkClick r:id="rId3"/>
-              </a:rPr>
-              <a:t>www.alura.com.br/artigos/como-criar-um-projeto-com-flutter-hello-world</a:t>
-            </a:r>
-            <a:r>
-              <a:rPr lang="pt-BR" sz="2000" dirty="0" smtClean="0">
-                <a:latin typeface="Lato" panose="020B0604020202020204" charset="0"/>
-                <a:ea typeface="Lato" panose="020B0604020202020204" charset="0"/>
-                <a:cs typeface="Lato" panose="020B0604020202020204" charset="0"/>
               </a:rPr>
               <a:t>.</a:t>
             </a:r>
-            <a:endParaRPr lang="pt-BR" sz="2000" dirty="0">
-              <a:latin typeface="Lato" panose="020B0604020202020204" charset="0"/>
-              <a:ea typeface="Lato" panose="020B0604020202020204" charset="0"/>
-              <a:cs typeface="Lato" panose="020B0604020202020204" charset="0"/>
-            </a:endParaRPr>
           </a:p>
         </p:txBody>
       </p:sp>
@@ -6257,13 +6089,6 @@
   <p:clrMapOvr>
     <a:masterClrMapping/>
   </p:clrMapOvr>
-  <p:timing>
-    <p:tnLst>
-      <p:par>
-        <p:cTn id="1" dur="indefinite" restart="never" nodeType="tmRoot"/>
-      </p:par>
-    </p:tnLst>
-  </p:timing>
 </p:sld>
 </file>
 
@@ -6337,6 +6162,13 @@
               <a:srgbClr val="2B4A9D"/>
             </a:solidFill>
           </p:spPr>
+          <p:txBody>
+            <a:bodyPr/>
+            <a:lstStyle/>
+            <a:p>
+              <a:endParaRPr lang="pt-BR"/>
+            </a:p>
+          </p:txBody>
         </p:sp>
       </p:grpSp>
       <p:sp>
@@ -6499,7 +6331,7 @@
           <a:p>
             <a:pPr algn="ctr"/>
             <a:r>
-              <a:rPr lang="pt-BR" sz="2000" dirty="0" smtClean="0">
+              <a:rPr lang="pt-BR" sz="2000" dirty="0">
                 <a:latin typeface="Lato" panose="020B0604020202020204" charset="0"/>
                 <a:ea typeface="Lato" panose="020B0604020202020204" charset="0"/>
                 <a:cs typeface="Lato" panose="020B0604020202020204" charset="0"/>
@@ -6518,45 +6350,22 @@
               <a:t>Fonte: </a:t>
             </a:r>
             <a:r>
-              <a:rPr lang="pt-BR" sz="2000" dirty="0" smtClean="0">
+              <a:rPr lang="pt-BR" sz="2000" dirty="0">
                 <a:latin typeface="Lato" panose="020B0604020202020204" charset="0"/>
                 <a:ea typeface="Lato" panose="020B0604020202020204" charset="0"/>
                 <a:cs typeface="Lato" panose="020B0604020202020204" charset="0"/>
                 <a:hlinkClick r:id="rId4"/>
               </a:rPr>
-              <a:t>https</a:t>
+              <a:t>https://www.alura.com.br/artigos/como-criar-um-projeto-com-flutter-hello-world</a:t>
             </a:r>
             <a:r>
               <a:rPr lang="pt-BR" sz="2000" dirty="0">
                 <a:latin typeface="Lato" panose="020B0604020202020204" charset="0"/>
                 <a:ea typeface="Lato" panose="020B0604020202020204" charset="0"/>
                 <a:cs typeface="Lato" panose="020B0604020202020204" charset="0"/>
-                <a:hlinkClick r:id="rId4"/>
-              </a:rPr>
-              <a:t>://</a:t>
-            </a:r>
-            <a:r>
-              <a:rPr lang="pt-BR" sz="2000" dirty="0" smtClean="0">
-                <a:latin typeface="Lato" panose="020B0604020202020204" charset="0"/>
-                <a:ea typeface="Lato" panose="020B0604020202020204" charset="0"/>
-                <a:cs typeface="Lato" panose="020B0604020202020204" charset="0"/>
-                <a:hlinkClick r:id="rId4"/>
-              </a:rPr>
-              <a:t>www.alura.com.br/artigos/como-criar-um-projeto-com-flutter-hello-world</a:t>
-            </a:r>
-            <a:r>
-              <a:rPr lang="pt-BR" sz="2000" dirty="0" smtClean="0">
-                <a:latin typeface="Lato" panose="020B0604020202020204" charset="0"/>
-                <a:ea typeface="Lato" panose="020B0604020202020204" charset="0"/>
-                <a:cs typeface="Lato" panose="020B0604020202020204" charset="0"/>
               </a:rPr>
               <a:t>.</a:t>
             </a:r>
-            <a:endParaRPr lang="pt-BR" sz="2000" dirty="0">
-              <a:latin typeface="Lato" panose="020B0604020202020204" charset="0"/>
-              <a:ea typeface="Lato" panose="020B0604020202020204" charset="0"/>
-              <a:cs typeface="Lato" panose="020B0604020202020204" charset="0"/>
-            </a:endParaRPr>
           </a:p>
         </p:txBody>
       </p:sp>
@@ -6616,13 +6425,6 @@
   <p:clrMapOvr>
     <a:masterClrMapping/>
   </p:clrMapOvr>
-  <p:timing>
-    <p:tnLst>
-      <p:par>
-        <p:cTn id="1" dur="indefinite" restart="never" nodeType="tmRoot"/>
-      </p:par>
-    </p:tnLst>
-  </p:timing>
 </p:sld>
 </file>
 
@@ -6696,6 +6498,13 @@
               <a:srgbClr val="2B4A9D"/>
             </a:solidFill>
           </p:spPr>
+          <p:txBody>
+            <a:bodyPr/>
+            <a:lstStyle/>
+            <a:p>
+              <a:endParaRPr lang="pt-BR"/>
+            </a:p>
+          </p:txBody>
         </p:sp>
       </p:grpSp>
       <p:sp>
@@ -6758,15 +6567,15 @@
                 <a:ea typeface="Lato" panose="020B0604020202020204" charset="0"/>
                 <a:cs typeface="Lato" panose="020B0604020202020204" charset="0"/>
               </a:rPr>
-              <a:t>: </a:t>
-            </a:r>
-            <a:r>
-              <a:rPr lang="pt-BR" sz="3600" dirty="0" smtClean="0">
-                <a:latin typeface="Lato" panose="020B0604020202020204" charset="0"/>
-                <a:ea typeface="Lato" panose="020B0604020202020204" charset="0"/>
-                <a:cs typeface="Lato" panose="020B0604020202020204" charset="0"/>
-              </a:rPr>
-              <a:t>São as pastas </a:t>
+              <a:t>: São as pastas que possuem um código específico de plataforma para gerar o APK/IPA (os arquivos de distribuição do </a:t>
+            </a:r>
+            <a:r>
+              <a:rPr lang="pt-BR" sz="3600" dirty="0" err="1">
+                <a:latin typeface="Lato" panose="020B0604020202020204" charset="0"/>
+                <a:ea typeface="Lato" panose="020B0604020202020204" charset="0"/>
+                <a:cs typeface="Lato" panose="020B0604020202020204" charset="0"/>
+              </a:rPr>
+              <a:t>Android</a:t>
             </a:r>
             <a:r>
               <a:rPr lang="pt-BR" sz="3600" dirty="0">
@@ -6774,15 +6583,15 @@
                 <a:ea typeface="Lato" panose="020B0604020202020204" charset="0"/>
                 <a:cs typeface="Lato" panose="020B0604020202020204" charset="0"/>
               </a:rPr>
-              <a:t>que </a:t>
-            </a:r>
-            <a:r>
-              <a:rPr lang="pt-BR" sz="3600" dirty="0" smtClean="0">
-                <a:latin typeface="Lato" panose="020B0604020202020204" charset="0"/>
-                <a:ea typeface="Lato" panose="020B0604020202020204" charset="0"/>
-                <a:cs typeface="Lato" panose="020B0604020202020204" charset="0"/>
-              </a:rPr>
-              <a:t>possuem um código </a:t>
+              <a:t> e </a:t>
+            </a:r>
+            <a:r>
+              <a:rPr lang="pt-BR" sz="3600" dirty="0" err="1">
+                <a:latin typeface="Lato" panose="020B0604020202020204" charset="0"/>
+                <a:ea typeface="Lato" panose="020B0604020202020204" charset="0"/>
+                <a:cs typeface="Lato" panose="020B0604020202020204" charset="0"/>
+              </a:rPr>
+              <a:t>iOS</a:t>
             </a:r>
             <a:r>
               <a:rPr lang="pt-BR" sz="3600" dirty="0">
@@ -6790,15 +6599,15 @@
                 <a:ea typeface="Lato" panose="020B0604020202020204" charset="0"/>
                 <a:cs typeface="Lato" panose="020B0604020202020204" charset="0"/>
               </a:rPr>
-              <a:t>específico de plataforma</a:t>
-            </a:r>
-            <a:r>
-              <a:rPr lang="pt-BR" sz="3600" dirty="0" smtClean="0">
-                <a:latin typeface="Lato" panose="020B0604020202020204" charset="0"/>
-                <a:ea typeface="Lato" panose="020B0604020202020204" charset="0"/>
-                <a:cs typeface="Lato" panose="020B0604020202020204" charset="0"/>
-              </a:rPr>
-              <a:t> para </a:t>
+              <a:t>, respectivamente) dos aplicativos, para que os mesmos sejam publicados nas lojas. Também permite que seja possível acessar comportamentos específicos das plataformas por meio dos Platform </a:t>
+            </a:r>
+            <a:r>
+              <a:rPr lang="pt-BR" sz="3600" dirty="0" err="1">
+                <a:latin typeface="Lato" panose="020B0604020202020204" charset="0"/>
+                <a:ea typeface="Lato" panose="020B0604020202020204" charset="0"/>
+                <a:cs typeface="Lato" panose="020B0604020202020204" charset="0"/>
+              </a:rPr>
+              <a:t>Channels</a:t>
             </a:r>
             <a:r>
               <a:rPr lang="pt-BR" sz="3600" dirty="0">
@@ -6806,95 +6615,7 @@
                 <a:ea typeface="Lato" panose="020B0604020202020204" charset="0"/>
                 <a:cs typeface="Lato" panose="020B0604020202020204" charset="0"/>
               </a:rPr>
-              <a:t>gerar o </a:t>
-            </a:r>
-            <a:r>
-              <a:rPr lang="pt-BR" sz="3600" dirty="0" smtClean="0">
-                <a:latin typeface="Lato" panose="020B0604020202020204" charset="0"/>
-                <a:ea typeface="Lato" panose="020B0604020202020204" charset="0"/>
-                <a:cs typeface="Lato" panose="020B0604020202020204" charset="0"/>
-              </a:rPr>
-              <a:t>APK/IPA (os arquivos de distribuição do </a:t>
-            </a:r>
-            <a:r>
-              <a:rPr lang="pt-BR" sz="3600" dirty="0" err="1" smtClean="0">
-                <a:latin typeface="Lato" panose="020B0604020202020204" charset="0"/>
-                <a:ea typeface="Lato" panose="020B0604020202020204" charset="0"/>
-                <a:cs typeface="Lato" panose="020B0604020202020204" charset="0"/>
-              </a:rPr>
-              <a:t>Android</a:t>
-            </a:r>
-            <a:r>
-              <a:rPr lang="pt-BR" sz="3600" dirty="0" smtClean="0">
-                <a:latin typeface="Lato" panose="020B0604020202020204" charset="0"/>
-                <a:ea typeface="Lato" panose="020B0604020202020204" charset="0"/>
-                <a:cs typeface="Lato" panose="020B0604020202020204" charset="0"/>
-              </a:rPr>
-              <a:t> e </a:t>
-            </a:r>
-            <a:r>
-              <a:rPr lang="pt-BR" sz="3600" dirty="0" err="1" smtClean="0">
-                <a:latin typeface="Lato" panose="020B0604020202020204" charset="0"/>
-                <a:ea typeface="Lato" panose="020B0604020202020204" charset="0"/>
-                <a:cs typeface="Lato" panose="020B0604020202020204" charset="0"/>
-              </a:rPr>
-              <a:t>iOS</a:t>
-            </a:r>
-            <a:r>
-              <a:rPr lang="pt-BR" sz="3600" dirty="0" smtClean="0">
-                <a:latin typeface="Lato" panose="020B0604020202020204" charset="0"/>
-                <a:ea typeface="Lato" panose="020B0604020202020204" charset="0"/>
-                <a:cs typeface="Lato" panose="020B0604020202020204" charset="0"/>
-              </a:rPr>
-              <a:t>, respectivamente) </a:t>
-            </a:r>
-            <a:r>
-              <a:rPr lang="pt-BR" sz="3600" dirty="0">
-                <a:latin typeface="Lato" panose="020B0604020202020204" charset="0"/>
-                <a:ea typeface="Lato" panose="020B0604020202020204" charset="0"/>
-                <a:cs typeface="Lato" panose="020B0604020202020204" charset="0"/>
-              </a:rPr>
-              <a:t>dos </a:t>
-            </a:r>
-            <a:r>
-              <a:rPr lang="pt-BR" sz="3600" dirty="0" smtClean="0">
-                <a:latin typeface="Lato" panose="020B0604020202020204" charset="0"/>
-                <a:ea typeface="Lato" panose="020B0604020202020204" charset="0"/>
-                <a:cs typeface="Lato" panose="020B0604020202020204" charset="0"/>
-              </a:rPr>
-              <a:t>aplicativos, para </a:t>
-            </a:r>
-            <a:r>
-              <a:rPr lang="pt-BR" sz="3600" dirty="0">
-                <a:latin typeface="Lato" panose="020B0604020202020204" charset="0"/>
-                <a:ea typeface="Lato" panose="020B0604020202020204" charset="0"/>
-                <a:cs typeface="Lato" panose="020B0604020202020204" charset="0"/>
-              </a:rPr>
-              <a:t>que os mesmos sejam publicados nas lojas. Também permite que seja possível acessar comportamentos específicos das plataformas por meio dos Platform </a:t>
-            </a:r>
-            <a:r>
-              <a:rPr lang="pt-BR" sz="3600" dirty="0" err="1" smtClean="0">
-                <a:latin typeface="Lato" panose="020B0604020202020204" charset="0"/>
-                <a:ea typeface="Lato" panose="020B0604020202020204" charset="0"/>
-                <a:cs typeface="Lato" panose="020B0604020202020204" charset="0"/>
-              </a:rPr>
-              <a:t>Channels</a:t>
-            </a:r>
-            <a:r>
-              <a:rPr lang="pt-BR" sz="3600" dirty="0" smtClean="0">
-                <a:latin typeface="Lato" panose="020B0604020202020204" charset="0"/>
-                <a:ea typeface="Lato" panose="020B0604020202020204" charset="0"/>
-                <a:cs typeface="Lato" panose="020B0604020202020204" charset="0"/>
-              </a:rPr>
-              <a:t>, o que facilita </a:t>
-            </a:r>
-            <a:r>
-              <a:rPr lang="pt-BR" sz="3600" dirty="0">
-                <a:latin typeface="Lato" panose="020B0604020202020204" charset="0"/>
-                <a:ea typeface="Lato" panose="020B0604020202020204" charset="0"/>
-                <a:cs typeface="Lato" panose="020B0604020202020204" charset="0"/>
-              </a:rPr>
-              <a:t>a integração de funcionalidades nativas com a interface do usuário do aplicativo.</a:t>
+              <a:t>, o que facilita a integração de funcionalidades nativas com a interface do usuário do aplicativo.</a:t>
             </a:r>
           </a:p>
         </p:txBody>
@@ -6953,7 +6674,7 @@
           <a:p>
             <a:pPr algn="ctr"/>
             <a:r>
-              <a:rPr lang="pt-BR" sz="2000" dirty="0" smtClean="0">
+              <a:rPr lang="pt-BR" sz="2000" dirty="0">
                 <a:latin typeface="Lato" panose="020B0604020202020204" charset="0"/>
                 <a:ea typeface="Lato" panose="020B0604020202020204" charset="0"/>
                 <a:cs typeface="Lato" panose="020B0604020202020204" charset="0"/>
@@ -6972,45 +6693,22 @@
               <a:t>Fonte: </a:t>
             </a:r>
             <a:r>
-              <a:rPr lang="pt-BR" sz="2000" dirty="0" smtClean="0">
+              <a:rPr lang="pt-BR" sz="2000" dirty="0">
                 <a:latin typeface="Lato" panose="020B0604020202020204" charset="0"/>
                 <a:ea typeface="Lato" panose="020B0604020202020204" charset="0"/>
                 <a:cs typeface="Lato" panose="020B0604020202020204" charset="0"/>
                 <a:hlinkClick r:id="rId3"/>
               </a:rPr>
-              <a:t>https</a:t>
+              <a:t>https://www.alura.com.br/artigos/como-criar-um-projeto-com-flutter-hello-world</a:t>
             </a:r>
             <a:r>
               <a:rPr lang="pt-BR" sz="2000" dirty="0">
                 <a:latin typeface="Lato" panose="020B0604020202020204" charset="0"/>
                 <a:ea typeface="Lato" panose="020B0604020202020204" charset="0"/>
                 <a:cs typeface="Lato" panose="020B0604020202020204" charset="0"/>
-                <a:hlinkClick r:id="rId3"/>
-              </a:rPr>
-              <a:t>://</a:t>
-            </a:r>
-            <a:r>
-              <a:rPr lang="pt-BR" sz="2000" dirty="0" smtClean="0">
-                <a:latin typeface="Lato" panose="020B0604020202020204" charset="0"/>
-                <a:ea typeface="Lato" panose="020B0604020202020204" charset="0"/>
-                <a:cs typeface="Lato" panose="020B0604020202020204" charset="0"/>
-                <a:hlinkClick r:id="rId3"/>
-              </a:rPr>
-              <a:t>www.alura.com.br/artigos/como-criar-um-projeto-com-flutter-hello-world</a:t>
-            </a:r>
-            <a:r>
-              <a:rPr lang="pt-BR" sz="2000" dirty="0" smtClean="0">
-                <a:latin typeface="Lato" panose="020B0604020202020204" charset="0"/>
-                <a:ea typeface="Lato" panose="020B0604020202020204" charset="0"/>
-                <a:cs typeface="Lato" panose="020B0604020202020204" charset="0"/>
               </a:rPr>
               <a:t>.</a:t>
             </a:r>
-            <a:endParaRPr lang="pt-BR" sz="2000" dirty="0">
-              <a:latin typeface="Lato" panose="020B0604020202020204" charset="0"/>
-              <a:ea typeface="Lato" panose="020B0604020202020204" charset="0"/>
-              <a:cs typeface="Lato" panose="020B0604020202020204" charset="0"/>
-            </a:endParaRPr>
           </a:p>
         </p:txBody>
       </p:sp>
@@ -7116,13 +6814,6 @@
   <p:clrMapOvr>
     <a:masterClrMapping/>
   </p:clrMapOvr>
-  <p:timing>
-    <p:tnLst>
-      <p:par>
-        <p:cTn id="1" dur="indefinite" restart="never" nodeType="tmRoot"/>
-      </p:par>
-    </p:tnLst>
-  </p:timing>
 </p:sld>
 </file>
 
@@ -7196,6 +6887,13 @@
               <a:srgbClr val="2B4A9D"/>
             </a:solidFill>
           </p:spPr>
+          <p:txBody>
+            <a:bodyPr/>
+            <a:lstStyle/>
+            <a:p>
+              <a:endParaRPr lang="pt-BR"/>
+            </a:p>
+          </p:txBody>
         </p:sp>
       </p:grpSp>
       <p:sp>
@@ -7234,15 +6932,15 @@
                 <a:ea typeface="Lato" panose="020B0604020202020204" charset="0"/>
                 <a:cs typeface="Lato" panose="020B0604020202020204" charset="0"/>
               </a:rPr>
-              <a:t>: É onde fica o build do </a:t>
-            </a:r>
-            <a:r>
-              <a:rPr lang="pt-BR" sz="3600" dirty="0" smtClean="0">
-                <a:latin typeface="Lato" panose="020B0604020202020204" charset="0"/>
-                <a:ea typeface="Lato" panose="020B0604020202020204" charset="0"/>
-                <a:cs typeface="Lato" panose="020B0604020202020204" charset="0"/>
-              </a:rPr>
-              <a:t>projeto </a:t>
+              <a:t>: É onde fica o build do projeto em </a:t>
+            </a:r>
+            <a:r>
+              <a:rPr lang="pt-BR" sz="3600" dirty="0" err="1">
+                <a:latin typeface="Lato" panose="020B0604020202020204" charset="0"/>
+                <a:ea typeface="Lato" panose="020B0604020202020204" charset="0"/>
+                <a:cs typeface="Lato" panose="020B0604020202020204" charset="0"/>
+              </a:rPr>
+              <a:t>Dart</a:t>
             </a:r>
             <a:r>
               <a:rPr lang="pt-BR" sz="3600" dirty="0">
@@ -7250,7 +6948,7 @@
                 <a:ea typeface="Lato" panose="020B0604020202020204" charset="0"/>
                 <a:cs typeface="Lato" panose="020B0604020202020204" charset="0"/>
               </a:rPr>
-              <a:t>em </a:t>
+              <a:t>, a qual é a linguagem utilizada em um projeto </a:t>
             </a:r>
             <a:r>
               <a:rPr lang="pt-BR" sz="3600" dirty="0" err="1">
@@ -7258,7 +6956,7 @@
                 <a:ea typeface="Lato" panose="020B0604020202020204" charset="0"/>
                 <a:cs typeface="Lato" panose="020B0604020202020204" charset="0"/>
               </a:rPr>
-              <a:t>Dart</a:t>
+              <a:t>Flutter</a:t>
             </a:r>
             <a:r>
               <a:rPr lang="pt-BR" sz="3600" dirty="0">
@@ -7266,31 +6964,15 @@
                 <a:ea typeface="Lato" panose="020B0604020202020204" charset="0"/>
                 <a:cs typeface="Lato" panose="020B0604020202020204" charset="0"/>
               </a:rPr>
-              <a:t>, a </a:t>
-            </a:r>
-            <a:r>
-              <a:rPr lang="pt-BR" sz="3600" dirty="0" smtClean="0">
-                <a:latin typeface="Lato" panose="020B0604020202020204" charset="0"/>
-                <a:ea typeface="Lato" panose="020B0604020202020204" charset="0"/>
-                <a:cs typeface="Lato" panose="020B0604020202020204" charset="0"/>
-              </a:rPr>
-              <a:t>qual é a linguagem utilizada em um projeto </a:t>
-            </a:r>
-            <a:r>
-              <a:rPr lang="pt-BR" sz="3600" dirty="0" err="1" smtClean="0">
-                <a:latin typeface="Lato" panose="020B0604020202020204" charset="0"/>
-                <a:ea typeface="Lato" panose="020B0604020202020204" charset="0"/>
-                <a:cs typeface="Lato" panose="020B0604020202020204" charset="0"/>
-              </a:rPr>
-              <a:t>Flutter</a:t>
-            </a:r>
-            <a:r>
-              <a:rPr lang="pt-BR" sz="3600" dirty="0" smtClean="0">
-                <a:latin typeface="Lato" panose="020B0604020202020204" charset="0"/>
-                <a:ea typeface="Lato" panose="020B0604020202020204" charset="0"/>
-                <a:cs typeface="Lato" panose="020B0604020202020204" charset="0"/>
-              </a:rPr>
-              <a:t>. </a:t>
+              <a:t>. Ela é gerada sempre que rodamos o comando “</a:t>
+            </a:r>
+            <a:r>
+              <a:rPr lang="pt-BR" sz="3600" dirty="0" err="1">
+                <a:latin typeface="Lato" panose="020B0604020202020204" charset="0"/>
+                <a:ea typeface="Lato" panose="020B0604020202020204" charset="0"/>
+                <a:cs typeface="Lato" panose="020B0604020202020204" charset="0"/>
+              </a:rPr>
+              <a:t>flutter</a:t>
             </a:r>
             <a:r>
               <a:rPr lang="pt-BR" sz="3600" dirty="0">
@@ -7298,58 +6980,18 @@
                 <a:ea typeface="Lato" panose="020B0604020202020204" charset="0"/>
                 <a:cs typeface="Lato" panose="020B0604020202020204" charset="0"/>
               </a:rPr>
-              <a:t>Ela é gerada sempre que </a:t>
-            </a:r>
-            <a:r>
-              <a:rPr lang="pt-BR" sz="3600" dirty="0" smtClean="0">
-                <a:latin typeface="Lato" panose="020B0604020202020204" charset="0"/>
-                <a:ea typeface="Lato" panose="020B0604020202020204" charset="0"/>
-                <a:cs typeface="Lato" panose="020B0604020202020204" charset="0"/>
-              </a:rPr>
-              <a:t>rodamos </a:t>
+              <a:t> </a:t>
+            </a:r>
+            <a:r>
+              <a:rPr lang="pt-BR" sz="3600" dirty="0" err="1">
+                <a:latin typeface="Lato" panose="020B0604020202020204" charset="0"/>
+                <a:ea typeface="Lato" panose="020B0604020202020204" charset="0"/>
+                <a:cs typeface="Lato" panose="020B0604020202020204" charset="0"/>
+              </a:rPr>
+              <a:t>run</a:t>
             </a:r>
             <a:r>
               <a:rPr lang="pt-BR" sz="3600" dirty="0">
-                <a:latin typeface="Lato" panose="020B0604020202020204" charset="0"/>
-                <a:ea typeface="Lato" panose="020B0604020202020204" charset="0"/>
-                <a:cs typeface="Lato" panose="020B0604020202020204" charset="0"/>
-              </a:rPr>
-              <a:t>o comando </a:t>
-            </a:r>
-            <a:r>
-              <a:rPr lang="pt-BR" sz="3600" dirty="0" smtClean="0">
-                <a:latin typeface="Lato" panose="020B0604020202020204" charset="0"/>
-                <a:ea typeface="Lato" panose="020B0604020202020204" charset="0"/>
-                <a:cs typeface="Lato" panose="020B0604020202020204" charset="0"/>
-              </a:rPr>
-              <a:t>“</a:t>
-            </a:r>
-            <a:r>
-              <a:rPr lang="pt-BR" sz="3600" dirty="0" err="1" smtClean="0">
-                <a:latin typeface="Lato" panose="020B0604020202020204" charset="0"/>
-                <a:ea typeface="Lato" panose="020B0604020202020204" charset="0"/>
-                <a:cs typeface="Lato" panose="020B0604020202020204" charset="0"/>
-              </a:rPr>
-              <a:t>flutter</a:t>
-            </a:r>
-            <a:r>
-              <a:rPr lang="pt-BR" sz="3600" dirty="0" smtClean="0">
-                <a:latin typeface="Lato" panose="020B0604020202020204" charset="0"/>
-                <a:ea typeface="Lato" panose="020B0604020202020204" charset="0"/>
-                <a:cs typeface="Lato" panose="020B0604020202020204" charset="0"/>
-              </a:rPr>
-              <a:t> </a:t>
-            </a:r>
-            <a:r>
-              <a:rPr lang="pt-BR" sz="3600" dirty="0" err="1" smtClean="0">
-                <a:latin typeface="Lato" panose="020B0604020202020204" charset="0"/>
-                <a:ea typeface="Lato" panose="020B0604020202020204" charset="0"/>
-                <a:cs typeface="Lato" panose="020B0604020202020204" charset="0"/>
-              </a:rPr>
-              <a:t>run</a:t>
-            </a:r>
-            <a:r>
-              <a:rPr lang="pt-BR" sz="3600" dirty="0" smtClean="0">
                 <a:latin typeface="Lato" panose="020B0604020202020204" charset="0"/>
                 <a:ea typeface="Lato" panose="020B0604020202020204" charset="0"/>
                 <a:cs typeface="Lato" panose="020B0604020202020204" charset="0"/>
@@ -7389,21 +7031,8 @@
                 <a:ea typeface="Lato" panose="020B0604020202020204" charset="0"/>
                 <a:cs typeface="Lato" panose="020B0604020202020204" charset="0"/>
               </a:rPr>
-              <a:t>: É a pasta onde podemos escrever testes para nossas aplicações</a:t>
-            </a:r>
-            <a:r>
-              <a:rPr lang="pt-BR" sz="3600" dirty="0" smtClean="0">
-                <a:latin typeface="Lato" panose="020B0604020202020204" charset="0"/>
-                <a:ea typeface="Lato" panose="020B0604020202020204" charset="0"/>
-                <a:cs typeface="Lato" panose="020B0604020202020204" charset="0"/>
-              </a:rPr>
-              <a:t>.</a:t>
-            </a:r>
-            <a:endParaRPr lang="pt-BR" sz="3600" dirty="0">
-              <a:latin typeface="Lato" panose="020B0604020202020204" charset="0"/>
-              <a:ea typeface="Lato" panose="020B0604020202020204" charset="0"/>
-              <a:cs typeface="Lato" panose="020B0604020202020204" charset="0"/>
-            </a:endParaRPr>
+              <a:t>: É a pasta onde podemos escrever testes para nossas aplicações.</a:t>
+            </a:r>
           </a:p>
         </p:txBody>
       </p:sp>
@@ -7461,7 +7090,7 @@
           <a:p>
             <a:pPr algn="ctr"/>
             <a:r>
-              <a:rPr lang="pt-BR" sz="2000" dirty="0" smtClean="0">
+              <a:rPr lang="pt-BR" sz="2000" dirty="0">
                 <a:latin typeface="Lato" panose="020B0604020202020204" charset="0"/>
                 <a:ea typeface="Lato" panose="020B0604020202020204" charset="0"/>
                 <a:cs typeface="Lato" panose="020B0604020202020204" charset="0"/>
@@ -7480,45 +7109,22 @@
               <a:t>Fonte: </a:t>
             </a:r>
             <a:r>
-              <a:rPr lang="pt-BR" sz="2000" dirty="0" smtClean="0">
+              <a:rPr lang="pt-BR" sz="2000" dirty="0">
                 <a:latin typeface="Lato" panose="020B0604020202020204" charset="0"/>
                 <a:ea typeface="Lato" panose="020B0604020202020204" charset="0"/>
                 <a:cs typeface="Lato" panose="020B0604020202020204" charset="0"/>
                 <a:hlinkClick r:id="rId3"/>
               </a:rPr>
-              <a:t>https</a:t>
+              <a:t>https://www.alura.com.br/artigos/como-criar-um-projeto-com-flutter-hello-world</a:t>
             </a:r>
             <a:r>
               <a:rPr lang="pt-BR" sz="2000" dirty="0">
                 <a:latin typeface="Lato" panose="020B0604020202020204" charset="0"/>
                 <a:ea typeface="Lato" panose="020B0604020202020204" charset="0"/>
                 <a:cs typeface="Lato" panose="020B0604020202020204" charset="0"/>
-                <a:hlinkClick r:id="rId3"/>
-              </a:rPr>
-              <a:t>://</a:t>
-            </a:r>
-            <a:r>
-              <a:rPr lang="pt-BR" sz="2000" dirty="0" smtClean="0">
-                <a:latin typeface="Lato" panose="020B0604020202020204" charset="0"/>
-                <a:ea typeface="Lato" panose="020B0604020202020204" charset="0"/>
-                <a:cs typeface="Lato" panose="020B0604020202020204" charset="0"/>
-                <a:hlinkClick r:id="rId3"/>
-              </a:rPr>
-              <a:t>www.alura.com.br/artigos/como-criar-um-projeto-com-flutter-hello-world</a:t>
-            </a:r>
-            <a:r>
-              <a:rPr lang="pt-BR" sz="2000" dirty="0" smtClean="0">
-                <a:latin typeface="Lato" panose="020B0604020202020204" charset="0"/>
-                <a:ea typeface="Lato" panose="020B0604020202020204" charset="0"/>
-                <a:cs typeface="Lato" panose="020B0604020202020204" charset="0"/>
               </a:rPr>
               <a:t>.</a:t>
             </a:r>
-            <a:endParaRPr lang="pt-BR" sz="2000" dirty="0">
-              <a:latin typeface="Lato" panose="020B0604020202020204" charset="0"/>
-              <a:ea typeface="Lato" panose="020B0604020202020204" charset="0"/>
-              <a:cs typeface="Lato" panose="020B0604020202020204" charset="0"/>
-            </a:endParaRPr>
           </a:p>
         </p:txBody>
       </p:sp>
@@ -7624,13 +7230,6 @@
   <p:clrMapOvr>
     <a:masterClrMapping/>
   </p:clrMapOvr>
-  <p:timing>
-    <p:tnLst>
-      <p:par>
-        <p:cTn id="1" dur="indefinite" restart="never" nodeType="tmRoot"/>
-      </p:par>
-    </p:tnLst>
-  </p:timing>
 </p:sld>
 </file>
 
@@ -7704,6 +7303,13 @@
               <a:srgbClr val="2B4A9D"/>
             </a:solidFill>
           </p:spPr>
+          <p:txBody>
+            <a:bodyPr/>
+            <a:lstStyle/>
+            <a:p>
+              <a:endParaRPr lang="pt-BR"/>
+            </a:p>
+          </p:txBody>
         </p:sp>
       </p:grpSp>
       <p:sp>
@@ -7758,23 +7364,7 @@
                 <a:ea typeface="Lato" panose="020B0604020202020204" charset="0"/>
                 <a:cs typeface="Lato" panose="020B0604020202020204" charset="0"/>
               </a:rPr>
-              <a:t>F</a:t>
-            </a:r>
-            <a:r>
-              <a:rPr lang="pt-BR" sz="3600" dirty="0" err="1" smtClean="0">
-                <a:latin typeface="Lato" panose="020B0604020202020204" charset="0"/>
-                <a:ea typeface="Lato" panose="020B0604020202020204" charset="0"/>
-                <a:cs typeface="Lato" panose="020B0604020202020204" charset="0"/>
-              </a:rPr>
-              <a:t>lutter</a:t>
-            </a:r>
-            <a:r>
-              <a:rPr lang="pt-BR" sz="3600" dirty="0" smtClean="0">
-                <a:latin typeface="Lato" panose="020B0604020202020204" charset="0"/>
-                <a:ea typeface="Lato" panose="020B0604020202020204" charset="0"/>
-                <a:cs typeface="Lato" panose="020B0604020202020204" charset="0"/>
-              </a:rPr>
-              <a:t> </a:t>
+              <a:t>Flutter</a:t>
             </a:r>
             <a:r>
               <a:rPr lang="pt-BR" sz="3600" dirty="0">
@@ -7782,15 +7372,15 @@
                 <a:ea typeface="Lato" panose="020B0604020202020204" charset="0"/>
                 <a:cs typeface="Lato" panose="020B0604020202020204" charset="0"/>
               </a:rPr>
-              <a:t>para gerenciar alguns recursos internos e </a:t>
-            </a:r>
-            <a:r>
-              <a:rPr lang="pt-BR" sz="3600" dirty="0" smtClean="0">
-                <a:latin typeface="Lato" panose="020B0604020202020204" charset="0"/>
-                <a:ea typeface="Lato" panose="020B0604020202020204" charset="0"/>
-                <a:cs typeface="Lato" panose="020B0604020202020204" charset="0"/>
-              </a:rPr>
-              <a:t>deve ser evitado fazer alterações manualmente. Contudo, </a:t>
+              <a:t> para gerenciar alguns recursos internos e deve ser evitado fazer alterações manualmente. Contudo, ele deve ser </a:t>
+            </a:r>
+            <a:r>
+              <a:rPr lang="pt-BR" sz="3600" dirty="0" err="1">
+                <a:latin typeface="Lato" panose="020B0604020202020204" charset="0"/>
+                <a:ea typeface="Lato" panose="020B0604020202020204" charset="0"/>
+                <a:cs typeface="Lato" panose="020B0604020202020204" charset="0"/>
+              </a:rPr>
+              <a:t>versionado</a:t>
             </a:r>
             <a:r>
               <a:rPr lang="pt-BR" sz="3600" dirty="0">
@@ -7798,39 +7388,7 @@
                 <a:ea typeface="Lato" panose="020B0604020202020204" charset="0"/>
                 <a:cs typeface="Lato" panose="020B0604020202020204" charset="0"/>
               </a:rPr>
-              <a:t>ele deve ser </a:t>
-            </a:r>
-            <a:r>
-              <a:rPr lang="pt-BR" sz="3600" dirty="0" err="1">
-                <a:latin typeface="Lato" panose="020B0604020202020204" charset="0"/>
-                <a:ea typeface="Lato" panose="020B0604020202020204" charset="0"/>
-                <a:cs typeface="Lato" panose="020B0604020202020204" charset="0"/>
-              </a:rPr>
-              <a:t>versionado</a:t>
-            </a:r>
-            <a:r>
-              <a:rPr lang="pt-BR" sz="3600" dirty="0">
-                <a:latin typeface="Lato" panose="020B0604020202020204" charset="0"/>
-                <a:ea typeface="Lato" panose="020B0604020202020204" charset="0"/>
-                <a:cs typeface="Lato" panose="020B0604020202020204" charset="0"/>
-              </a:rPr>
-              <a:t> junto com o </a:t>
-            </a:r>
-            <a:r>
-              <a:rPr lang="pt-BR" sz="3600" dirty="0" smtClean="0">
-                <a:latin typeface="Lato" panose="020B0604020202020204" charset="0"/>
-                <a:ea typeface="Lato" panose="020B0604020202020204" charset="0"/>
-                <a:cs typeface="Lato" panose="020B0604020202020204" charset="0"/>
-              </a:rPr>
-              <a:t>projeto, com o objetivo de garantir </a:t>
-            </a:r>
-            <a:r>
-              <a:rPr lang="pt-BR" sz="3600" dirty="0">
-                <a:latin typeface="Lato" panose="020B0604020202020204" charset="0"/>
-                <a:ea typeface="Lato" panose="020B0604020202020204" charset="0"/>
-                <a:cs typeface="Lato" panose="020B0604020202020204" charset="0"/>
-              </a:rPr>
-              <a:t>a consistência do ambiente de desenvolvimento entre diferentes membros da equipe e ambientes de desenvolvimento.</a:t>
+              <a:t> junto com o projeto, com o objetivo de garantir a consistência do ambiente de desenvolvimento entre diferentes membros da equipe e ambientes de desenvolvimento.</a:t>
             </a:r>
           </a:p>
         </p:txBody>
@@ -7889,7 +7447,7 @@
           <a:p>
             <a:pPr algn="ctr"/>
             <a:r>
-              <a:rPr lang="pt-BR" sz="2000" dirty="0" smtClean="0">
+              <a:rPr lang="pt-BR" sz="2000" dirty="0">
                 <a:latin typeface="Lato" panose="020B0604020202020204" charset="0"/>
                 <a:ea typeface="Lato" panose="020B0604020202020204" charset="0"/>
                 <a:cs typeface="Lato" panose="020B0604020202020204" charset="0"/>
@@ -7908,45 +7466,22 @@
               <a:t>Fonte: </a:t>
             </a:r>
             <a:r>
-              <a:rPr lang="pt-BR" sz="2000" dirty="0" smtClean="0">
+              <a:rPr lang="pt-BR" sz="2000" dirty="0">
                 <a:latin typeface="Lato" panose="020B0604020202020204" charset="0"/>
                 <a:ea typeface="Lato" panose="020B0604020202020204" charset="0"/>
                 <a:cs typeface="Lato" panose="020B0604020202020204" charset="0"/>
                 <a:hlinkClick r:id="rId3"/>
               </a:rPr>
-              <a:t>https</a:t>
+              <a:t>https://www.alura.com.br/artigos/como-criar-um-projeto-com-flutter-hello-world</a:t>
             </a:r>
             <a:r>
               <a:rPr lang="pt-BR" sz="2000" dirty="0">
                 <a:latin typeface="Lato" panose="020B0604020202020204" charset="0"/>
                 <a:ea typeface="Lato" panose="020B0604020202020204" charset="0"/>
                 <a:cs typeface="Lato" panose="020B0604020202020204" charset="0"/>
-                <a:hlinkClick r:id="rId3"/>
-              </a:rPr>
-              <a:t>://</a:t>
-            </a:r>
-            <a:r>
-              <a:rPr lang="pt-BR" sz="2000" dirty="0" smtClean="0">
-                <a:latin typeface="Lato" panose="020B0604020202020204" charset="0"/>
-                <a:ea typeface="Lato" panose="020B0604020202020204" charset="0"/>
-                <a:cs typeface="Lato" panose="020B0604020202020204" charset="0"/>
-                <a:hlinkClick r:id="rId3"/>
-              </a:rPr>
-              <a:t>www.alura.com.br/artigos/como-criar-um-projeto-com-flutter-hello-world</a:t>
-            </a:r>
-            <a:r>
-              <a:rPr lang="pt-BR" sz="2000" dirty="0" smtClean="0">
-                <a:latin typeface="Lato" panose="020B0604020202020204" charset="0"/>
-                <a:ea typeface="Lato" panose="020B0604020202020204" charset="0"/>
-                <a:cs typeface="Lato" panose="020B0604020202020204" charset="0"/>
               </a:rPr>
               <a:t>.</a:t>
             </a:r>
-            <a:endParaRPr lang="pt-BR" sz="2000" dirty="0">
-              <a:latin typeface="Lato" panose="020B0604020202020204" charset="0"/>
-              <a:ea typeface="Lato" panose="020B0604020202020204" charset="0"/>
-              <a:cs typeface="Lato" panose="020B0604020202020204" charset="0"/>
-            </a:endParaRPr>
           </a:p>
         </p:txBody>
       </p:sp>
@@ -8006,13 +7541,6 @@
   <p:clrMapOvr>
     <a:masterClrMapping/>
   </p:clrMapOvr>
-  <p:timing>
-    <p:tnLst>
-      <p:par>
-        <p:cTn id="1" dur="indefinite" restart="never" nodeType="tmRoot"/>
-      </p:par>
-    </p:tnLst>
-  </p:timing>
 </p:sld>
 </file>
 
@@ -8086,6 +7614,13 @@
               <a:srgbClr val="2B4A9D"/>
             </a:solidFill>
           </p:spPr>
+          <p:txBody>
+            <a:bodyPr/>
+            <a:lstStyle/>
+            <a:p>
+              <a:endParaRPr lang="pt-BR"/>
+            </a:p>
+          </p:txBody>
         </p:sp>
       </p:grpSp>
       <p:sp>
@@ -8111,7 +7646,7 @@
           <a:p>
             <a:pPr algn="just"/>
             <a:r>
-              <a:rPr lang="pt-BR" sz="3600" b="1" dirty="0" err="1" smtClean="0">
+              <a:rPr lang="pt-BR" sz="3600" b="1" dirty="0" err="1">
                 <a:latin typeface="Lato" panose="020B0604020202020204" charset="0"/>
                 <a:ea typeface="Lato" panose="020B0604020202020204" charset="0"/>
                 <a:cs typeface="Lato" panose="020B0604020202020204" charset="0"/>
@@ -8124,15 +7659,15 @@
                 <a:ea typeface="Lato" panose="020B0604020202020204" charset="0"/>
                 <a:cs typeface="Lato" panose="020B0604020202020204" charset="0"/>
               </a:rPr>
-              <a:t>: É o arquivo </a:t>
-            </a:r>
-            <a:r>
-              <a:rPr lang="pt-BR" sz="3600" dirty="0" smtClean="0">
-                <a:latin typeface="Lato" panose="020B0604020202020204" charset="0"/>
-                <a:ea typeface="Lato" panose="020B0604020202020204" charset="0"/>
-                <a:cs typeface="Lato" panose="020B0604020202020204" charset="0"/>
-              </a:rPr>
-              <a:t>de gerenciamento das </a:t>
+              <a:t>: É o arquivo de gerenciamento das dependências de um projeto </a:t>
+            </a:r>
+            <a:r>
+              <a:rPr lang="pt-BR" sz="3600" dirty="0" err="1">
+                <a:latin typeface="Lato" panose="020B0604020202020204" charset="0"/>
+                <a:ea typeface="Lato" panose="020B0604020202020204" charset="0"/>
+                <a:cs typeface="Lato" panose="020B0604020202020204" charset="0"/>
+              </a:rPr>
+              <a:t>Dart</a:t>
             </a:r>
             <a:r>
               <a:rPr lang="pt-BR" sz="3600" dirty="0">
@@ -8140,29 +7675,8 @@
                 <a:ea typeface="Lato" panose="020B0604020202020204" charset="0"/>
                 <a:cs typeface="Lato" panose="020B0604020202020204" charset="0"/>
               </a:rPr>
-              <a:t>dependências de um projeto </a:t>
-            </a:r>
-            <a:r>
-              <a:rPr lang="pt-BR" sz="3600" dirty="0" err="1" smtClean="0">
-                <a:latin typeface="Lato" panose="020B0604020202020204" charset="0"/>
-                <a:ea typeface="Lato" panose="020B0604020202020204" charset="0"/>
-                <a:cs typeface="Lato" panose="020B0604020202020204" charset="0"/>
-              </a:rPr>
-              <a:t>Dart</a:t>
-            </a:r>
-            <a:r>
-              <a:rPr lang="pt-BR" sz="3600" dirty="0" smtClean="0">
-                <a:latin typeface="Lato" panose="020B0604020202020204" charset="0"/>
-                <a:ea typeface="Lato" panose="020B0604020202020204" charset="0"/>
-                <a:cs typeface="Lato" panose="020B0604020202020204" charset="0"/>
-              </a:rPr>
               <a:t>.</a:t>
             </a:r>
-            <a:endParaRPr lang="pt-BR" sz="3600" dirty="0">
-              <a:latin typeface="Lato" panose="020B0604020202020204" charset="0"/>
-              <a:ea typeface="Lato" panose="020B0604020202020204" charset="0"/>
-              <a:cs typeface="Lato" panose="020B0604020202020204" charset="0"/>
-            </a:endParaRPr>
           </a:p>
         </p:txBody>
       </p:sp>
@@ -8220,7 +7734,7 @@
           <a:p>
             <a:pPr algn="ctr"/>
             <a:r>
-              <a:rPr lang="pt-BR" sz="2000" dirty="0" smtClean="0">
+              <a:rPr lang="pt-BR" sz="2000" dirty="0">
                 <a:latin typeface="Lato" panose="020B0604020202020204" charset="0"/>
                 <a:ea typeface="Lato" panose="020B0604020202020204" charset="0"/>
                 <a:cs typeface="Lato" panose="020B0604020202020204" charset="0"/>
@@ -8239,45 +7753,22 @@
               <a:t>Fonte: </a:t>
             </a:r>
             <a:r>
-              <a:rPr lang="pt-BR" sz="2000" dirty="0" smtClean="0">
+              <a:rPr lang="pt-BR" sz="2000" dirty="0">
                 <a:latin typeface="Lato" panose="020B0604020202020204" charset="0"/>
                 <a:ea typeface="Lato" panose="020B0604020202020204" charset="0"/>
                 <a:cs typeface="Lato" panose="020B0604020202020204" charset="0"/>
                 <a:hlinkClick r:id="rId3"/>
               </a:rPr>
-              <a:t>https</a:t>
+              <a:t>https://www.alura.com.br/artigos/como-criar-um-projeto-com-flutter-hello-world</a:t>
             </a:r>
             <a:r>
               <a:rPr lang="pt-BR" sz="2000" dirty="0">
                 <a:latin typeface="Lato" panose="020B0604020202020204" charset="0"/>
                 <a:ea typeface="Lato" panose="020B0604020202020204" charset="0"/>
                 <a:cs typeface="Lato" panose="020B0604020202020204" charset="0"/>
-                <a:hlinkClick r:id="rId3"/>
-              </a:rPr>
-              <a:t>://</a:t>
-            </a:r>
-            <a:r>
-              <a:rPr lang="pt-BR" sz="2000" dirty="0" smtClean="0">
-                <a:latin typeface="Lato" panose="020B0604020202020204" charset="0"/>
-                <a:ea typeface="Lato" panose="020B0604020202020204" charset="0"/>
-                <a:cs typeface="Lato" panose="020B0604020202020204" charset="0"/>
-                <a:hlinkClick r:id="rId3"/>
-              </a:rPr>
-              <a:t>www.alura.com.br/artigos/como-criar-um-projeto-com-flutter-hello-world</a:t>
-            </a:r>
-            <a:r>
-              <a:rPr lang="pt-BR" sz="2000" dirty="0" smtClean="0">
-                <a:latin typeface="Lato" panose="020B0604020202020204" charset="0"/>
-                <a:ea typeface="Lato" panose="020B0604020202020204" charset="0"/>
-                <a:cs typeface="Lato" panose="020B0604020202020204" charset="0"/>
               </a:rPr>
               <a:t>.</a:t>
             </a:r>
-            <a:endParaRPr lang="pt-BR" sz="2000" dirty="0">
-              <a:latin typeface="Lato" panose="020B0604020202020204" charset="0"/>
-              <a:ea typeface="Lato" panose="020B0604020202020204" charset="0"/>
-              <a:cs typeface="Lato" panose="020B0604020202020204" charset="0"/>
-            </a:endParaRPr>
           </a:p>
         </p:txBody>
       </p:sp>
@@ -8337,13 +7828,6 @@
   <p:clrMapOvr>
     <a:masterClrMapping/>
   </p:clrMapOvr>
-  <p:timing>
-    <p:tnLst>
-      <p:par>
-        <p:cTn id="1" dur="indefinite" restart="never" nodeType="tmRoot"/>
-      </p:par>
-    </p:tnLst>
-  </p:timing>
 </p:sld>
 </file>
 
@@ -8417,6 +7901,13 @@
               <a:srgbClr val="2B4A9D"/>
             </a:solidFill>
           </p:spPr>
+          <p:txBody>
+            <a:bodyPr/>
+            <a:lstStyle/>
+            <a:p>
+              <a:endParaRPr lang="pt-BR"/>
+            </a:p>
+          </p:txBody>
         </p:sp>
       </p:grpSp>
       <p:sp>
@@ -8463,18 +7954,10 @@
                 <a:ea typeface="Lato" panose="020B0604020202020204" charset="0"/>
                 <a:cs typeface="Lato" panose="020B0604020202020204" charset="0"/>
               </a:rPr>
-              <a:t>: Este </a:t>
-            </a:r>
-            <a:r>
-              <a:rPr lang="pt-BR" sz="3600" dirty="0" smtClean="0">
-                <a:latin typeface="Lato" panose="020B0604020202020204" charset="0"/>
-                <a:ea typeface="Lato" panose="020B0604020202020204" charset="0"/>
-                <a:cs typeface="Lato" panose="020B0604020202020204" charset="0"/>
-              </a:rPr>
-              <a:t>arquivo é gerado automaticamente sempre que uma nova biblioteca é instalada, permitindo que o sistema de gerenciamento de pacotes do </a:t>
-            </a:r>
-            <a:r>
-              <a:rPr lang="pt-BR" sz="3600" dirty="0" err="1" smtClean="0">
+              <a:t>: Este arquivo é gerado automaticamente sempre que uma nova biblioteca é instalada, permitindo que o sistema de gerenciamento de pacotes do </a:t>
+            </a:r>
+            <a:r>
+              <a:rPr lang="pt-BR" sz="3600" dirty="0" err="1">
                 <a:latin typeface="Lato" panose="020B0604020202020204" charset="0"/>
                 <a:ea typeface="Lato" panose="020B0604020202020204" charset="0"/>
                 <a:cs typeface="Lato" panose="020B0604020202020204" charset="0"/>
@@ -8482,18 +7965,13 @@
               <a:t>Flutter</a:t>
             </a:r>
             <a:r>
-              <a:rPr lang="pt-BR" sz="3600" dirty="0" smtClean="0">
+              <a:rPr lang="pt-BR" sz="3600" dirty="0">
                 <a:latin typeface="Lato" panose="020B0604020202020204" charset="0"/>
                 <a:ea typeface="Lato" panose="020B0604020202020204" charset="0"/>
                 <a:cs typeface="Lato" panose="020B0604020202020204" charset="0"/>
               </a:rPr>
               <a:t> saiba encontrar as dependências necessárias para o projeto.</a:t>
             </a:r>
-            <a:endParaRPr lang="pt-BR" sz="3600" dirty="0">
-              <a:latin typeface="Lato" panose="020B0604020202020204" charset="0"/>
-              <a:ea typeface="Lato" panose="020B0604020202020204" charset="0"/>
-              <a:cs typeface="Lato" panose="020B0604020202020204" charset="0"/>
-            </a:endParaRPr>
           </a:p>
         </p:txBody>
       </p:sp>
@@ -8551,7 +8029,7 @@
           <a:p>
             <a:pPr algn="ctr"/>
             <a:r>
-              <a:rPr lang="pt-BR" sz="2000" dirty="0" smtClean="0">
+              <a:rPr lang="pt-BR" sz="2000" dirty="0">
                 <a:latin typeface="Lato" panose="020B0604020202020204" charset="0"/>
                 <a:ea typeface="Lato" panose="020B0604020202020204" charset="0"/>
                 <a:cs typeface="Lato" panose="020B0604020202020204" charset="0"/>
@@ -8570,45 +8048,22 @@
               <a:t>Fonte: </a:t>
             </a:r>
             <a:r>
-              <a:rPr lang="pt-BR" sz="2000" dirty="0" smtClean="0">
+              <a:rPr lang="pt-BR" sz="2000" dirty="0">
                 <a:latin typeface="Lato" panose="020B0604020202020204" charset="0"/>
                 <a:ea typeface="Lato" panose="020B0604020202020204" charset="0"/>
                 <a:cs typeface="Lato" panose="020B0604020202020204" charset="0"/>
                 <a:hlinkClick r:id="rId3"/>
               </a:rPr>
-              <a:t>https</a:t>
+              <a:t>https://www.alura.com.br/artigos/como-criar-um-projeto-com-flutter-hello-world</a:t>
             </a:r>
             <a:r>
               <a:rPr lang="pt-BR" sz="2000" dirty="0">
                 <a:latin typeface="Lato" panose="020B0604020202020204" charset="0"/>
                 <a:ea typeface="Lato" panose="020B0604020202020204" charset="0"/>
                 <a:cs typeface="Lato" panose="020B0604020202020204" charset="0"/>
-                <a:hlinkClick r:id="rId3"/>
-              </a:rPr>
-              <a:t>://</a:t>
-            </a:r>
-            <a:r>
-              <a:rPr lang="pt-BR" sz="2000" dirty="0" smtClean="0">
-                <a:latin typeface="Lato" panose="020B0604020202020204" charset="0"/>
-                <a:ea typeface="Lato" panose="020B0604020202020204" charset="0"/>
-                <a:cs typeface="Lato" panose="020B0604020202020204" charset="0"/>
-                <a:hlinkClick r:id="rId3"/>
-              </a:rPr>
-              <a:t>www.alura.com.br/artigos/como-criar-um-projeto-com-flutter-hello-world</a:t>
-            </a:r>
-            <a:r>
-              <a:rPr lang="pt-BR" sz="2000" dirty="0" smtClean="0">
-                <a:latin typeface="Lato" panose="020B0604020202020204" charset="0"/>
-                <a:ea typeface="Lato" panose="020B0604020202020204" charset="0"/>
-                <a:cs typeface="Lato" panose="020B0604020202020204" charset="0"/>
               </a:rPr>
               <a:t>.</a:t>
             </a:r>
-            <a:endParaRPr lang="pt-BR" sz="2000" dirty="0">
-              <a:latin typeface="Lato" panose="020B0604020202020204" charset="0"/>
-              <a:ea typeface="Lato" panose="020B0604020202020204" charset="0"/>
-              <a:cs typeface="Lato" panose="020B0604020202020204" charset="0"/>
-            </a:endParaRPr>
           </a:p>
         </p:txBody>
       </p:sp>
@@ -8668,13 +8123,6 @@
   <p:clrMapOvr>
     <a:masterClrMapping/>
   </p:clrMapOvr>
-  <p:timing>
-    <p:tnLst>
-      <p:par>
-        <p:cTn id="1" dur="indefinite" restart="never" nodeType="tmRoot"/>
-      </p:par>
-    </p:tnLst>
-  </p:timing>
 </p:sld>
 </file>
 
